--- a/508_Sync_Widgets_Layout.pptx
+++ b/508_Sync_Widgets_Layout.pptx
@@ -5,19 +5,27 @@
     <p:sldMasterId id="2147483648" r:id="rId1"/>
   </p:sldMasterIdLst>
   <p:notesMasterIdLst>
-    <p:notesMasterId r:id="rId12"/>
+    <p:notesMasterId r:id="rId20"/>
   </p:notesMasterIdLst>
   <p:sldIdLst>
     <p:sldId id="256" r:id="rId2"/>
     <p:sldId id="262" r:id="rId3"/>
     <p:sldId id="312" r:id="rId4"/>
     <p:sldId id="307" r:id="rId5"/>
-    <p:sldId id="308" r:id="rId6"/>
-    <p:sldId id="309" r:id="rId7"/>
-    <p:sldId id="310" r:id="rId8"/>
-    <p:sldId id="313" r:id="rId9"/>
-    <p:sldId id="311" r:id="rId10"/>
-    <p:sldId id="259" r:id="rId11"/>
+    <p:sldId id="313" r:id="rId6"/>
+    <p:sldId id="314" r:id="rId7"/>
+    <p:sldId id="315" r:id="rId8"/>
+    <p:sldId id="316" r:id="rId9"/>
+    <p:sldId id="317" r:id="rId10"/>
+    <p:sldId id="318" r:id="rId11"/>
+    <p:sldId id="319" r:id="rId12"/>
+    <p:sldId id="320" r:id="rId13"/>
+    <p:sldId id="322" r:id="rId14"/>
+    <p:sldId id="321" r:id="rId15"/>
+    <p:sldId id="323" r:id="rId16"/>
+    <p:sldId id="324" r:id="rId17"/>
+    <p:sldId id="325" r:id="rId18"/>
+    <p:sldId id="259" r:id="rId19"/>
   </p:sldIdLst>
   <p:sldSz cx="9144000" cy="6858000" type="screen4x3"/>
   <p:notesSz cx="6858000" cy="9144000"/>
@@ -218,7 +226,7 @@
             <a:fld id="{6837EDA8-41C8-4B24-A206-13C08A65A6D7}" type="datetimeFigureOut">
               <a:rPr lang="zh-TW" altLang="en-US" smtClean="0"/>
               <a:pPr/>
-              <a:t>2022/10/31</a:t>
+              <a:t>2022/11/1</a:t>
             </a:fld>
             <a:endParaRPr lang="zh-TW" altLang="en-US"/>
           </a:p>
@@ -671,7 +679,7 @@
             <a:fld id="{8B85509C-BD4F-47BF-9B1E-FC2E949B3621}" type="datetime1">
               <a:rPr lang="zh-TW" altLang="en-US" smtClean="0"/>
               <a:pPr/>
-              <a:t>2022/10/31</a:t>
+              <a:t>2022/11/1</a:t>
             </a:fld>
             <a:endParaRPr lang="zh-TW" altLang="en-US"/>
           </a:p>
@@ -844,7 +852,7 @@
             <a:fld id="{42251B24-F787-4C15-8A0F-7AEC20C70069}" type="datetime1">
               <a:rPr lang="zh-TW" altLang="en-US" smtClean="0"/>
               <a:pPr/>
-              <a:t>2022/10/31</a:t>
+              <a:t>2022/11/1</a:t>
             </a:fld>
             <a:endParaRPr lang="zh-TW" altLang="en-US"/>
           </a:p>
@@ -1019,7 +1027,7 @@
             <a:fld id="{9CA0D33C-CE2B-45F1-B8D4-FFD1F131F331}" type="datetime1">
               <a:rPr lang="zh-TW" altLang="en-US" smtClean="0"/>
               <a:pPr/>
-              <a:t>2022/10/31</a:t>
+              <a:t>2022/11/1</a:t>
             </a:fld>
             <a:endParaRPr lang="zh-TW" altLang="en-US"/>
           </a:p>
@@ -1184,7 +1192,7 @@
             <a:fld id="{50B99440-D9EF-40CC-9B52-F6428D9B2C76}" type="datetime1">
               <a:rPr lang="zh-TW" altLang="en-US" smtClean="0"/>
               <a:pPr/>
-              <a:t>2022/10/31</a:t>
+              <a:t>2022/11/1</a:t>
             </a:fld>
             <a:endParaRPr lang="zh-TW" altLang="en-US"/>
           </a:p>
@@ -1426,7 +1434,7 @@
             <a:fld id="{0871BF52-5C6C-4959-8E27-CECB68D39FE4}" type="datetime1">
               <a:rPr lang="zh-TW" altLang="en-US" smtClean="0"/>
               <a:pPr/>
-              <a:t>2022/10/31</a:t>
+              <a:t>2022/11/1</a:t>
             </a:fld>
             <a:endParaRPr lang="zh-TW" altLang="en-US"/>
           </a:p>
@@ -1708,7 +1716,7 @@
             <a:fld id="{DF863F05-2DD9-4EB1-A827-12FD992DE9DC}" type="datetime1">
               <a:rPr lang="zh-TW" altLang="en-US" smtClean="0"/>
               <a:pPr/>
-              <a:t>2022/10/31</a:t>
+              <a:t>2022/11/1</a:t>
             </a:fld>
             <a:endParaRPr lang="zh-TW" altLang="en-US"/>
           </a:p>
@@ -2124,7 +2132,7 @@
             <a:fld id="{6339AF51-4491-4873-A096-75DB6CE47516}" type="datetime1">
               <a:rPr lang="zh-TW" altLang="en-US" smtClean="0"/>
               <a:pPr/>
-              <a:t>2022/10/31</a:t>
+              <a:t>2022/11/1</a:t>
             </a:fld>
             <a:endParaRPr lang="zh-TW" altLang="en-US"/>
           </a:p>
@@ -2238,7 +2246,7 @@
             <a:fld id="{EE4AD9C8-8B9E-40FF-ABE2-858AC2057BBB}" type="datetime1">
               <a:rPr lang="zh-TW" altLang="en-US" smtClean="0"/>
               <a:pPr/>
-              <a:t>2022/10/31</a:t>
+              <a:t>2022/11/1</a:t>
             </a:fld>
             <a:endParaRPr lang="zh-TW" altLang="en-US"/>
           </a:p>
@@ -2330,7 +2338,7 @@
             <a:fld id="{B4784999-BBBE-4BE4-A8D0-877E7D1D66CC}" type="datetime1">
               <a:rPr lang="zh-TW" altLang="en-US" smtClean="0"/>
               <a:pPr/>
-              <a:t>2022/10/31</a:t>
+              <a:t>2022/11/1</a:t>
             </a:fld>
             <a:endParaRPr lang="zh-TW" altLang="en-US"/>
           </a:p>
@@ -2602,7 +2610,7 @@
             <a:fld id="{E88D17E6-02BD-4944-B9FE-7BFCCBF83D48}" type="datetime1">
               <a:rPr lang="zh-TW" altLang="en-US" smtClean="0"/>
               <a:pPr/>
-              <a:t>2022/10/31</a:t>
+              <a:t>2022/11/1</a:t>
             </a:fld>
             <a:endParaRPr lang="zh-TW" altLang="en-US"/>
           </a:p>
@@ -2851,7 +2859,7 @@
             <a:fld id="{3C13E23D-1FEF-4D78-A3A3-3D6F2BB31954}" type="datetime1">
               <a:rPr lang="zh-TW" altLang="en-US" smtClean="0"/>
               <a:pPr/>
-              <a:t>2022/10/31</a:t>
+              <a:t>2022/11/1</a:t>
             </a:fld>
             <a:endParaRPr lang="zh-TW" altLang="en-US"/>
           </a:p>
@@ -3059,7 +3067,7 @@
             <a:fld id="{06197F35-AD6F-4594-8B50-334492D2E7E8}" type="datetime1">
               <a:rPr lang="zh-TW" altLang="en-US" smtClean="0"/>
               <a:pPr/>
-              <a:t>2022/10/31</a:t>
+              <a:t>2022/11/1</a:t>
             </a:fld>
             <a:endParaRPr lang="zh-TW" altLang="en-US"/>
           </a:p>
@@ -3462,7 +3470,7 @@
                   <a:srgbClr val="FFFF00"/>
                 </a:solidFill>
               </a:rPr>
-              <a:t>507 Spinner and Slider</a:t>
+              <a:t>508 Sync Widgets and Layout</a:t>
             </a:r>
             <a:endParaRPr lang="zh-TW" altLang="en-US" sz="3600" b="1" dirty="0">
               <a:solidFill>
@@ -3520,7 +3528,7 @@
             <a:fld id="{C389EDC9-19E3-47AC-9C57-C6A24DEA81AD}" type="datetime1">
               <a:rPr lang="zh-TW" altLang="en-US" smtClean="0"/>
               <a:pPr/>
-              <a:t>2022/10/31</a:t>
+              <a:t>2022/11/1</a:t>
             </a:fld>
             <a:endParaRPr lang="zh-TW" altLang="en-US"/>
           </a:p>
@@ -3622,143 +3630,41 @@
           <a:chExt cx="0" cy="0"/>
         </a:xfrm>
       </p:grpSpPr>
-      <p:sp>
-        <p:nvSpPr>
-          <p:cNvPr id="2" name="標題 1"/>
-          <p:cNvSpPr>
-            <a:spLocks noGrp="1"/>
-          </p:cNvSpPr>
-          <p:nvPr>
-            <p:ph type="ctrTitle"/>
-          </p:nvPr>
-        </p:nvSpPr>
+      <p:pic>
+        <p:nvPicPr>
+          <p:cNvPr id="10" name="Picture 9">
+            <a:extLst>
+              <a:ext uri="{FF2B5EF4-FFF2-40B4-BE49-F238E27FC236}">
+                <a16:creationId xmlns:a16="http://schemas.microsoft.com/office/drawing/2014/main" id="{15CD4DD9-2387-CD97-4930-740840D01A9A}"/>
+              </a:ext>
+            </a:extLst>
+          </p:cNvPr>
+          <p:cNvPicPr>
+            <a:picLocks noChangeAspect="1"/>
+          </p:cNvPicPr>
+          <p:nvPr/>
+        </p:nvPicPr>
+        <p:blipFill>
+          <a:blip r:embed="rId2"/>
+          <a:stretch>
+            <a:fillRect/>
+          </a:stretch>
+        </p:blipFill>
         <p:spPr>
           <a:xfrm>
-            <a:off x="0" y="2130425"/>
-            <a:ext cx="9144000" cy="1470025"/>
+            <a:off x="1334770" y="2332309"/>
+            <a:ext cx="6210338" cy="4082802"/>
           </a:xfrm>
-          <a:gradFill flip="none" rotWithShape="1">
-            <a:gsLst>
-              <a:gs pos="0">
-                <a:srgbClr val="00B0F0">
-                  <a:shade val="30000"/>
-                  <a:satMod val="115000"/>
-                </a:srgbClr>
-              </a:gs>
-              <a:gs pos="50000">
-                <a:srgbClr val="00B0F0">
-                  <a:shade val="67500"/>
-                  <a:satMod val="115000"/>
-                </a:srgbClr>
-              </a:gs>
-              <a:gs pos="100000">
-                <a:srgbClr val="00B0F0">
-                  <a:shade val="100000"/>
-                  <a:satMod val="115000"/>
-                </a:srgbClr>
-              </a:gs>
-            </a:gsLst>
-            <a:path path="circle">
-              <a:fillToRect t="100000" r="100000"/>
-            </a:path>
-            <a:tileRect l="-100000" b="-100000"/>
-          </a:gradFill>
+          <a:prstGeom prst="rect">
+            <a:avLst/>
+          </a:prstGeom>
+          <a:ln>
+            <a:solidFill>
+              <a:srgbClr val="C00000"/>
+            </a:solidFill>
+          </a:ln>
         </p:spPr>
-        <p:txBody>
-          <a:bodyPr>
-            <a:normAutofit/>
-          </a:bodyPr>
-          <a:lstStyle/>
-          <a:p>
-            <a:r>
-              <a:rPr lang="en-US" altLang="zh-TW" sz="6000" b="1" dirty="0">
-                <a:solidFill>
-                  <a:srgbClr val="FFFF00"/>
-                </a:solidFill>
-              </a:rPr>
-              <a:t>End</a:t>
-            </a:r>
-            <a:endParaRPr lang="zh-TW" altLang="en-US" sz="6000" b="1" dirty="0">
-              <a:solidFill>
-                <a:srgbClr val="FFFF00"/>
-              </a:solidFill>
-            </a:endParaRPr>
-          </a:p>
-        </p:txBody>
-      </p:sp>
-      <p:sp>
-        <p:nvSpPr>
-          <p:cNvPr id="5" name="日期版面配置區 4"/>
-          <p:cNvSpPr>
-            <a:spLocks noGrp="1"/>
-          </p:cNvSpPr>
-          <p:nvPr>
-            <p:ph type="dt" sz="half" idx="10"/>
-          </p:nvPr>
-        </p:nvSpPr>
-        <p:spPr/>
-        <p:txBody>
-          <a:bodyPr/>
-          <a:lstStyle/>
-          <a:p>
-            <a:fld id="{4E46BE27-E923-4EC2-B046-3272AE2A3E5C}" type="datetime1">
-              <a:rPr lang="zh-TW" altLang="en-US" smtClean="0"/>
-              <a:pPr/>
-              <a:t>2022/10/31</a:t>
-            </a:fld>
-            <a:endParaRPr lang="zh-TW" altLang="en-US"/>
-          </a:p>
-        </p:txBody>
-      </p:sp>
-      <p:sp>
-        <p:nvSpPr>
-          <p:cNvPr id="6" name="投影片編號版面配置區 5"/>
-          <p:cNvSpPr>
-            <a:spLocks noGrp="1"/>
-          </p:cNvSpPr>
-          <p:nvPr>
-            <p:ph type="sldNum" sz="quarter" idx="12"/>
-          </p:nvPr>
-        </p:nvSpPr>
-        <p:spPr/>
-        <p:txBody>
-          <a:bodyPr/>
-          <a:lstStyle/>
-          <a:p>
-            <a:fld id="{E4D7E63D-91F2-4366-A2C4-1B00C9E2590E}" type="slidenum">
-              <a:rPr lang="zh-TW" altLang="en-US" smtClean="0"/>
-              <a:pPr/>
-              <a:t>10</a:t>
-            </a:fld>
-            <a:endParaRPr lang="zh-TW" altLang="en-US"/>
-          </a:p>
-        </p:txBody>
-      </p:sp>
-    </p:spTree>
-  </p:cSld>
-  <p:clrMapOvr>
-    <a:masterClrMapping/>
-  </p:clrMapOvr>
-</p:sld>
-</file>
-
-<file path=ppt/slides/slide2.xml><?xml version="1.0" encoding="utf-8"?>
-<p:sld xmlns:a="http://schemas.openxmlformats.org/drawingml/2006/main" xmlns:r="http://schemas.openxmlformats.org/officeDocument/2006/relationships" xmlns:p="http://schemas.openxmlformats.org/presentationml/2006/main">
-  <p:cSld>
-    <p:spTree>
-      <p:nvGrpSpPr>
-        <p:cNvPr id="1" name=""/>
-        <p:cNvGrpSpPr/>
-        <p:nvPr/>
-      </p:nvGrpSpPr>
-      <p:grpSpPr>
-        <a:xfrm>
-          <a:off x="0" y="0"/>
-          <a:ext cx="0" cy="0"/>
-          <a:chOff x="0" y="0"/>
-          <a:chExt cx="0" cy="0"/>
-        </a:xfrm>
-      </p:grpSpPr>
+      </p:pic>
       <p:sp>
         <p:nvSpPr>
           <p:cNvPr id="2" name="標題 1"/>
@@ -3814,7 +3720,7 @@
                   <a:srgbClr val="FFFF00"/>
                 </a:solidFill>
               </a:rPr>
-              <a:t>507 Spinner and Slider</a:t>
+              <a:t>508.3 Set Initial Values for Spinner/Slider</a:t>
             </a:r>
             <a:endParaRPr lang="zh-TW" altLang="en-US" sz="4000" b="1" dirty="0">
               <a:solidFill>
@@ -3836,8 +3742,8 @@
         </p:nvSpPr>
         <p:spPr>
           <a:xfrm>
-            <a:off x="467543" y="1268757"/>
-            <a:ext cx="8241831" cy="2118573"/>
+            <a:off x="438024" y="1250428"/>
+            <a:ext cx="7806383" cy="956197"/>
           </a:xfrm>
           <a:ln>
             <a:solidFill>
@@ -3865,7 +3771,7 @@
                   <a:schemeClr val="tx1"/>
                 </a:solidFill>
               </a:rPr>
-              <a:t>Spinner and Slider</a:t>
+              <a:t>Set Initial Values for Spinner and Slider</a:t>
             </a:r>
           </a:p>
           <a:p>
@@ -3883,7 +3789,7 @@
                   <a:schemeClr val="tx1"/>
                 </a:solidFill>
               </a:rPr>
-              <a:t>We discuss Spinner and Slider.</a:t>
+              <a:t>Now, we want to set the initial values for spinner.</a:t>
             </a:r>
           </a:p>
           <a:p>
@@ -3901,61 +3807,7 @@
                   <a:schemeClr val="tx1"/>
                 </a:solidFill>
               </a:rPr>
-              <a:t>We create 07_Spinner_Slider project as below.</a:t>
-            </a:r>
-          </a:p>
-          <a:p>
-            <a:pPr marL="342900" indent="-342900" algn="l">
-              <a:buClr>
-                <a:srgbClr val="0070C0"/>
-              </a:buClr>
-              <a:buSzPct val="80000"/>
-              <a:buFont typeface="Wingdings" pitchFamily="2" charset="2"/>
-              <a:buChar char="u"/>
-            </a:pPr>
-            <a:r>
-              <a:rPr lang="en-US" sz="1800" dirty="0">
-                <a:solidFill>
-                  <a:schemeClr val="tx1"/>
-                </a:solidFill>
-              </a:rPr>
-              <a:t>We will connect two separated widgets: Spinner and Slider.</a:t>
-            </a:r>
-          </a:p>
-          <a:p>
-            <a:pPr marL="342900" indent="-342900" algn="l">
-              <a:buClr>
-                <a:srgbClr val="0070C0"/>
-              </a:buClr>
-              <a:buSzPct val="80000"/>
-              <a:buFont typeface="Wingdings" pitchFamily="2" charset="2"/>
-              <a:buChar char="u"/>
-            </a:pPr>
-            <a:r>
-              <a:rPr lang="en-US" sz="1800" dirty="0">
-                <a:solidFill>
-                  <a:schemeClr val="tx1"/>
-                </a:solidFill>
-              </a:rPr>
-              <a:t>One of the widgets changes, the other widget changed as well.</a:t>
-            </a:r>
-          </a:p>
-          <a:p>
-            <a:pPr marL="342900" indent="-342900" algn="l">
-              <a:buClr>
-                <a:srgbClr val="0070C0"/>
-              </a:buClr>
-              <a:buSzPct val="80000"/>
-              <a:buFont typeface="Wingdings" pitchFamily="2" charset="2"/>
-              <a:buChar char="u"/>
-            </a:pPr>
-            <a:r>
-              <a:rPr lang="en-US" sz="1800" dirty="0">
-                <a:solidFill>
-                  <a:schemeClr val="tx1"/>
-                </a:solidFill>
-              </a:rPr>
-              <a:t>These two widgets are very useful.</a:t>
+              <a:t>Both values in spinner and slide will be set up.</a:t>
             </a:r>
           </a:p>
         </p:txBody>
@@ -4016,7 +3868,7 @@
             </a:pPr>
             <a:r>
               <a:rPr lang="en-US" sz="1600" dirty="0"/>
-              <a:t>https://www.youtube.com/watch?v=kg98E06wm1I&amp;list=PLD0D54219E5F2544D&amp;index=7</a:t>
+              <a:t>https://www.youtube.com/watch?v=7ZuSs27tQPA&amp;list=PLD0D54219E5F2544D&amp;index=8</a:t>
             </a:r>
             <a:endParaRPr kumimoji="0" lang="zh-TW" altLang="en-US" sz="1600" b="0" i="0" u="none" strike="noStrike" kern="1200" cap="none" spc="0" normalizeH="0" baseline="0" noProof="0" dirty="0">
               <a:ln>
@@ -4053,7 +3905,7 @@
             <a:fld id="{A4F910E6-8D00-4BAF-8C48-9688E0B449D3}" type="datetime1">
               <a:rPr lang="zh-TW" altLang="en-US" smtClean="0"/>
               <a:pPr/>
-              <a:t>2022/10/31</a:t>
+              <a:t>2022/11/1</a:t>
             </a:fld>
             <a:endParaRPr lang="zh-TW" altLang="en-US"/>
           </a:p>
@@ -4077,18 +3929,266 @@
             <a:fld id="{E4D7E63D-91F2-4366-A2C4-1B00C9E2590E}" type="slidenum">
               <a:rPr lang="zh-TW" altLang="en-US" smtClean="0"/>
               <a:pPr/>
-              <a:t>2</a:t>
+              <a:t>10</a:t>
             </a:fld>
             <a:endParaRPr lang="zh-TW" altLang="en-US"/>
           </a:p>
         </p:txBody>
       </p:sp>
+      <p:sp>
+        <p:nvSpPr>
+          <p:cNvPr id="9" name="Rectangle 8">
+            <a:extLst>
+              <a:ext uri="{FF2B5EF4-FFF2-40B4-BE49-F238E27FC236}">
+                <a16:creationId xmlns:a16="http://schemas.microsoft.com/office/drawing/2014/main" id="{799039C2-9BB2-0521-B2DA-ADF611BD36C7}"/>
+              </a:ext>
+            </a:extLst>
+          </p:cNvPr>
+          <p:cNvSpPr/>
+          <p:nvPr/>
+        </p:nvSpPr>
+        <p:spPr>
+          <a:xfrm>
+            <a:off x="2130202" y="5669465"/>
+            <a:ext cx="2133600" cy="365125"/>
+          </a:xfrm>
+          <a:prstGeom prst="rect">
+            <a:avLst/>
+          </a:prstGeom>
+          <a:noFill/>
+          <a:ln>
+            <a:solidFill>
+              <a:srgbClr val="C00000"/>
+            </a:solidFill>
+          </a:ln>
+        </p:spPr>
+        <p:style>
+          <a:lnRef idx="2">
+            <a:schemeClr val="accent1">
+              <a:shade val="50000"/>
+            </a:schemeClr>
+          </a:lnRef>
+          <a:fillRef idx="1">
+            <a:schemeClr val="accent1"/>
+          </a:fillRef>
+          <a:effectRef idx="0">
+            <a:schemeClr val="accent1"/>
+          </a:effectRef>
+          <a:fontRef idx="minor">
+            <a:schemeClr val="lt1"/>
+          </a:fontRef>
+        </p:style>
+        <p:txBody>
+          <a:bodyPr rtlCol="0" anchor="ctr"/>
+          <a:lstStyle/>
+          <a:p>
+            <a:pPr algn="ctr"/>
+            <a:endParaRPr lang="en-US"/>
+          </a:p>
+        </p:txBody>
+      </p:sp>
+    </p:spTree>
+    <p:extLst>
+      <p:ext uri="{BB962C8B-B14F-4D97-AF65-F5344CB8AC3E}">
+        <p14:creationId xmlns:p14="http://schemas.microsoft.com/office/powerpoint/2010/main" val="3091385501"/>
+      </p:ext>
+    </p:extLst>
+  </p:cSld>
+  <p:clrMapOvr>
+    <a:masterClrMapping/>
+  </p:clrMapOvr>
+</p:sld>
+</file>
+
+<file path=ppt/slides/slide11.xml><?xml version="1.0" encoding="utf-8"?>
+<p:sld xmlns:a="http://schemas.openxmlformats.org/drawingml/2006/main" xmlns:r="http://schemas.openxmlformats.org/officeDocument/2006/relationships" xmlns:p="http://schemas.openxmlformats.org/presentationml/2006/main">
+  <p:cSld>
+    <p:spTree>
+      <p:nvGrpSpPr>
+        <p:cNvPr id="1" name=""/>
+        <p:cNvGrpSpPr/>
+        <p:nvPr/>
+      </p:nvGrpSpPr>
+      <p:grpSpPr>
+        <a:xfrm>
+          <a:off x="0" y="0"/>
+          <a:ext cx="0" cy="0"/>
+          <a:chOff x="0" y="0"/>
+          <a:chExt cx="0" cy="0"/>
+        </a:xfrm>
+      </p:grpSpPr>
+      <p:sp>
+        <p:nvSpPr>
+          <p:cNvPr id="2" name="標題 1"/>
+          <p:cNvSpPr>
+            <a:spLocks noGrp="1"/>
+          </p:cNvSpPr>
+          <p:nvPr>
+            <p:ph type="ctrTitle"/>
+          </p:nvPr>
+        </p:nvSpPr>
+        <p:spPr>
+          <a:xfrm>
+            <a:off x="0" y="2130425"/>
+            <a:ext cx="9144000" cy="1470025"/>
+          </a:xfrm>
+          <a:solidFill>
+            <a:srgbClr val="00B0F0"/>
+          </a:solidFill>
+        </p:spPr>
+        <p:txBody>
+          <a:bodyPr>
+            <a:normAutofit/>
+          </a:bodyPr>
+          <a:lstStyle/>
+          <a:p>
+            <a:r>
+              <a:rPr lang="en-US" altLang="zh-TW" sz="4000" b="1" dirty="0">
+                <a:solidFill>
+                  <a:srgbClr val="FFFF00"/>
+                </a:solidFill>
+              </a:rPr>
+              <a:t>508.4 Layout Includes Widgets</a:t>
+            </a:r>
+            <a:endParaRPr lang="zh-TW" altLang="en-US" sz="4000" b="1" dirty="0">
+              <a:solidFill>
+                <a:srgbClr val="FFFF00"/>
+              </a:solidFill>
+            </a:endParaRPr>
+          </a:p>
+        </p:txBody>
+      </p:sp>
+      <p:sp>
+        <p:nvSpPr>
+          <p:cNvPr id="5" name="日期版面配置區 4"/>
+          <p:cNvSpPr>
+            <a:spLocks noGrp="1"/>
+          </p:cNvSpPr>
+          <p:nvPr>
+            <p:ph type="dt" sz="half" idx="10"/>
+          </p:nvPr>
+        </p:nvSpPr>
+        <p:spPr/>
+        <p:txBody>
+          <a:bodyPr/>
+          <a:lstStyle/>
+          <a:p>
+            <a:fld id="{C389EDC9-19E3-47AC-9C57-C6A24DEA81AD}" type="datetime1">
+              <a:rPr lang="zh-TW" altLang="en-US" smtClean="0"/>
+              <a:pPr/>
+              <a:t>2022/11/1</a:t>
+            </a:fld>
+            <a:endParaRPr lang="zh-TW" altLang="en-US"/>
+          </a:p>
+        </p:txBody>
+      </p:sp>
+      <p:sp>
+        <p:nvSpPr>
+          <p:cNvPr id="6" name="投影片編號版面配置區 5"/>
+          <p:cNvSpPr>
+            <a:spLocks noGrp="1"/>
+          </p:cNvSpPr>
+          <p:nvPr>
+            <p:ph type="sldNum" sz="quarter" idx="12"/>
+          </p:nvPr>
+        </p:nvSpPr>
+        <p:spPr/>
+        <p:txBody>
+          <a:bodyPr/>
+          <a:lstStyle/>
+          <a:p>
+            <a:fld id="{E4D7E63D-91F2-4366-A2C4-1B00C9E2590E}" type="slidenum">
+              <a:rPr lang="zh-TW" altLang="en-US" smtClean="0"/>
+              <a:pPr/>
+              <a:t>11</a:t>
+            </a:fld>
+            <a:endParaRPr lang="zh-TW" altLang="en-US"/>
+          </a:p>
+        </p:txBody>
+      </p:sp>
+      <p:pic>
+        <p:nvPicPr>
+          <p:cNvPr id="1026" name="Picture 2" descr="Image result for Qt logo">
+            <a:extLst>
+              <a:ext uri="{FF2B5EF4-FFF2-40B4-BE49-F238E27FC236}">
+                <a16:creationId xmlns:a16="http://schemas.microsoft.com/office/drawing/2014/main" id="{5BB30E86-0076-AFE3-8108-81F5E04DE19B}"/>
+              </a:ext>
+            </a:extLst>
+          </p:cNvPr>
+          <p:cNvPicPr>
+            <a:picLocks noChangeAspect="1" noChangeArrowheads="1"/>
+          </p:cNvPicPr>
+          <p:nvPr/>
+        </p:nvPicPr>
+        <p:blipFill>
+          <a:blip r:embed="rId2">
+            <a:extLst>
+              <a:ext uri="{28A0092B-C50C-407E-A947-70E740481C1C}">
+                <a14:useLocalDpi xmlns:a14="http://schemas.microsoft.com/office/drawing/2010/main" val="0"/>
+              </a:ext>
+            </a:extLst>
+          </a:blip>
+          <a:srcRect/>
+          <a:stretch>
+            <a:fillRect/>
+          </a:stretch>
+        </p:blipFill>
+        <p:spPr bwMode="auto">
+          <a:xfrm>
+            <a:off x="3923928" y="3665344"/>
+            <a:ext cx="1296144" cy="950506"/>
+          </a:xfrm>
+          <a:prstGeom prst="rect">
+            <a:avLst/>
+          </a:prstGeom>
+          <a:noFill/>
+          <a:extLst>
+            <a:ext uri="{909E8E84-426E-40DD-AFC4-6F175D3DCCD1}">
+              <a14:hiddenFill xmlns:a14="http://schemas.microsoft.com/office/drawing/2010/main">
+                <a:solidFill>
+                  <a:srgbClr val="FFFFFF"/>
+                </a:solidFill>
+              </a14:hiddenFill>
+            </a:ext>
+          </a:extLst>
+        </p:spPr>
+      </p:pic>
+    </p:spTree>
+    <p:extLst>
+      <p:ext uri="{BB962C8B-B14F-4D97-AF65-F5344CB8AC3E}">
+        <p14:creationId xmlns:p14="http://schemas.microsoft.com/office/powerpoint/2010/main" val="2435402472"/>
+      </p:ext>
+    </p:extLst>
+  </p:cSld>
+  <p:clrMapOvr>
+    <a:masterClrMapping/>
+  </p:clrMapOvr>
+</p:sld>
+</file>
+
+<file path=ppt/slides/slide12.xml><?xml version="1.0" encoding="utf-8"?>
+<p:sld xmlns:a="http://schemas.openxmlformats.org/drawingml/2006/main" xmlns:r="http://schemas.openxmlformats.org/officeDocument/2006/relationships" xmlns:p="http://schemas.openxmlformats.org/presentationml/2006/main">
+  <p:cSld>
+    <p:spTree>
+      <p:nvGrpSpPr>
+        <p:cNvPr id="1" name=""/>
+        <p:cNvGrpSpPr/>
+        <p:nvPr/>
+      </p:nvGrpSpPr>
+      <p:grpSpPr>
+        <a:xfrm>
+          <a:off x="0" y="0"/>
+          <a:ext cx="0" cy="0"/>
+          <a:chOff x="0" y="0"/>
+          <a:chExt cx="0" cy="0"/>
+        </a:xfrm>
+      </p:grpSpPr>
       <p:pic>
         <p:nvPicPr>
           <p:cNvPr id="8" name="Picture 7">
             <a:extLst>
               <a:ext uri="{FF2B5EF4-FFF2-40B4-BE49-F238E27FC236}">
-                <a16:creationId xmlns:a16="http://schemas.microsoft.com/office/drawing/2014/main" id="{1F62709D-74B7-0178-E245-E3CDA4A03BD6}"/>
+                <a16:creationId xmlns:a16="http://schemas.microsoft.com/office/drawing/2014/main" id="{4AAB0649-8A6D-BBA2-CDA2-B96FFE19D616}"/>
               </a:ext>
             </a:extLst>
           </p:cNvPr>
@@ -4105,8 +4205,8 @@
         </p:blipFill>
         <p:spPr>
           <a:xfrm>
-            <a:off x="2339752" y="3733725"/>
-            <a:ext cx="3848100" cy="1733550"/>
+            <a:off x="4015556" y="1768282"/>
+            <a:ext cx="5075287" cy="4486263"/>
           </a:xfrm>
           <a:prstGeom prst="rect">
             <a:avLst/>
@@ -4118,6 +4218,2435 @@
           </a:ln>
         </p:spPr>
       </p:pic>
+      <p:sp>
+        <p:nvSpPr>
+          <p:cNvPr id="2" name="標題 1"/>
+          <p:cNvSpPr>
+            <a:spLocks noGrp="1"/>
+          </p:cNvSpPr>
+          <p:nvPr>
+            <p:ph type="ctrTitle"/>
+          </p:nvPr>
+        </p:nvSpPr>
+        <p:spPr>
+          <a:xfrm>
+            <a:off x="0" y="1"/>
+            <a:ext cx="9144000" cy="764704"/>
+          </a:xfrm>
+          <a:gradFill flip="none" rotWithShape="1">
+            <a:gsLst>
+              <a:gs pos="0">
+                <a:srgbClr val="C00000">
+                  <a:shade val="30000"/>
+                  <a:satMod val="115000"/>
+                </a:srgbClr>
+              </a:gs>
+              <a:gs pos="50000">
+                <a:srgbClr val="C00000">
+                  <a:shade val="67500"/>
+                  <a:satMod val="115000"/>
+                </a:srgbClr>
+              </a:gs>
+              <a:gs pos="100000">
+                <a:srgbClr val="C00000">
+                  <a:shade val="100000"/>
+                  <a:satMod val="115000"/>
+                </a:srgbClr>
+              </a:gs>
+            </a:gsLst>
+            <a:path path="circle">
+              <a:fillToRect t="100000" r="100000"/>
+            </a:path>
+            <a:tileRect l="-100000" b="-100000"/>
+          </a:gradFill>
+        </p:spPr>
+        <p:txBody>
+          <a:bodyPr>
+            <a:normAutofit/>
+          </a:bodyPr>
+          <a:lstStyle/>
+          <a:p>
+            <a:pPr algn="l"/>
+            <a:r>
+              <a:rPr lang="en-US" altLang="zh-TW" sz="4000" b="1" dirty="0">
+                <a:solidFill>
+                  <a:srgbClr val="FFFF00"/>
+                </a:solidFill>
+              </a:rPr>
+              <a:t>508.4 Layout Includes Widgets</a:t>
+            </a:r>
+            <a:endParaRPr lang="zh-TW" altLang="en-US" sz="4000" b="1" dirty="0">
+              <a:solidFill>
+                <a:srgbClr val="FFFF00"/>
+              </a:solidFill>
+            </a:endParaRPr>
+          </a:p>
+        </p:txBody>
+      </p:sp>
+      <p:sp>
+        <p:nvSpPr>
+          <p:cNvPr id="3" name="副標題 2"/>
+          <p:cNvSpPr>
+            <a:spLocks noGrp="1"/>
+          </p:cNvSpPr>
+          <p:nvPr>
+            <p:ph type="subTitle" idx="1"/>
+          </p:nvPr>
+        </p:nvSpPr>
+        <p:spPr>
+          <a:xfrm>
+            <a:off x="438025" y="1250427"/>
+            <a:ext cx="3341888" cy="4266805"/>
+          </a:xfrm>
+          <a:ln>
+            <a:solidFill>
+              <a:srgbClr val="C00000"/>
+            </a:solidFill>
+          </a:ln>
+        </p:spPr>
+        <p:txBody>
+          <a:bodyPr>
+            <a:noAutofit/>
+          </a:bodyPr>
+          <a:lstStyle/>
+          <a:p>
+            <a:pPr marL="342900" indent="-342900" algn="l">
+              <a:buClr>
+                <a:srgbClr val="0070C0"/>
+              </a:buClr>
+              <a:buSzPct val="80000"/>
+              <a:buFont typeface="Wingdings" pitchFamily="2" charset="2"/>
+              <a:buChar char="u"/>
+            </a:pPr>
+            <a:r>
+              <a:rPr lang="en-US" sz="1800" b="1" dirty="0">
+                <a:solidFill>
+                  <a:schemeClr val="tx1"/>
+                </a:solidFill>
+              </a:rPr>
+              <a:t>Layout Includes Two Widgets</a:t>
+            </a:r>
+          </a:p>
+          <a:p>
+            <a:pPr marL="342900" indent="-342900" algn="l">
+              <a:buClr>
+                <a:srgbClr val="0070C0"/>
+              </a:buClr>
+              <a:buSzPct val="80000"/>
+              <a:buFont typeface="Wingdings" pitchFamily="2" charset="2"/>
+              <a:buChar char="u"/>
+            </a:pPr>
+            <a:r>
+              <a:rPr lang="en-US" sz="1800" dirty="0">
+                <a:solidFill>
+                  <a:schemeClr val="tx1"/>
+                </a:solidFill>
+              </a:rPr>
+              <a:t>We include QHBoxLayout.</a:t>
+            </a:r>
+          </a:p>
+          <a:p>
+            <a:pPr marL="342900" indent="-342900" algn="l">
+              <a:buClr>
+                <a:srgbClr val="0070C0"/>
+              </a:buClr>
+              <a:buSzPct val="80000"/>
+              <a:buFont typeface="Wingdings" pitchFamily="2" charset="2"/>
+              <a:buChar char="u"/>
+            </a:pPr>
+            <a:r>
+              <a:rPr lang="en-US" sz="1800" dirty="0">
+                <a:solidFill>
+                  <a:schemeClr val="tx1"/>
+                </a:solidFill>
+              </a:rPr>
+              <a:t>This stands for Qt Horizontal Box Layout.</a:t>
+            </a:r>
+          </a:p>
+          <a:p>
+            <a:pPr marL="342900" indent="-342900" algn="l">
+              <a:buClr>
+                <a:srgbClr val="0070C0"/>
+              </a:buClr>
+              <a:buSzPct val="80000"/>
+              <a:buFont typeface="Wingdings" pitchFamily="2" charset="2"/>
+              <a:buChar char="u"/>
+            </a:pPr>
+            <a:r>
+              <a:rPr lang="en-US" sz="1800" dirty="0">
+                <a:solidFill>
+                  <a:schemeClr val="tx1"/>
+                </a:solidFill>
+              </a:rPr>
+              <a:t>This layout the widget horizontally from left to right.</a:t>
+            </a:r>
+          </a:p>
+          <a:p>
+            <a:pPr marL="342900" indent="-342900" algn="l">
+              <a:buClr>
+                <a:srgbClr val="0070C0"/>
+              </a:buClr>
+              <a:buSzPct val="80000"/>
+              <a:buFont typeface="Wingdings" pitchFamily="2" charset="2"/>
+              <a:buChar char="u"/>
+            </a:pPr>
+            <a:r>
+              <a:rPr lang="en-US" sz="1800" dirty="0">
+                <a:solidFill>
+                  <a:schemeClr val="tx1"/>
+                </a:solidFill>
+              </a:rPr>
+              <a:t>&gt; QHBoxLayout *layout = new QHBoxLayout;</a:t>
+            </a:r>
+          </a:p>
+          <a:p>
+            <a:pPr marL="342900" indent="-342900" algn="l">
+              <a:buClr>
+                <a:srgbClr val="0070C0"/>
+              </a:buClr>
+              <a:buSzPct val="80000"/>
+              <a:buFont typeface="Wingdings" pitchFamily="2" charset="2"/>
+              <a:buChar char="u"/>
+            </a:pPr>
+            <a:r>
+              <a:rPr lang="en-US" sz="1800" dirty="0">
+                <a:solidFill>
+                  <a:schemeClr val="tx1"/>
+                </a:solidFill>
+              </a:rPr>
+              <a:t>After we have layout, we want to put these two spinner and slider widgets into the layout.</a:t>
+            </a:r>
+          </a:p>
+          <a:p>
+            <a:pPr marL="342900" indent="-342900" algn="l">
+              <a:buClr>
+                <a:srgbClr val="0070C0"/>
+              </a:buClr>
+              <a:buSzPct val="80000"/>
+              <a:buFont typeface="Wingdings" pitchFamily="2" charset="2"/>
+              <a:buChar char="u"/>
+            </a:pPr>
+            <a:r>
+              <a:rPr lang="en-US" sz="1800" dirty="0">
+                <a:solidFill>
+                  <a:schemeClr val="tx1"/>
+                </a:solidFill>
+              </a:rPr>
+              <a:t>Now, this layout include two widgets.</a:t>
+            </a:r>
+          </a:p>
+        </p:txBody>
+      </p:sp>
+      <p:sp>
+        <p:nvSpPr>
+          <p:cNvPr id="4" name="標題 1"/>
+          <p:cNvSpPr txBox="1">
+            <a:spLocks/>
+          </p:cNvSpPr>
+          <p:nvPr/>
+        </p:nvSpPr>
+        <p:spPr>
+          <a:xfrm>
+            <a:off x="0" y="764704"/>
+            <a:ext cx="9144000" cy="360040"/>
+          </a:xfrm>
+          <a:prstGeom prst="rect">
+            <a:avLst/>
+          </a:prstGeom>
+          <a:gradFill flip="none" rotWithShape="1">
+            <a:gsLst>
+              <a:gs pos="0">
+                <a:srgbClr val="00B0F0">
+                  <a:shade val="30000"/>
+                  <a:satMod val="115000"/>
+                </a:srgbClr>
+              </a:gs>
+              <a:gs pos="50000">
+                <a:srgbClr val="00B0F0">
+                  <a:shade val="67500"/>
+                  <a:satMod val="115000"/>
+                </a:srgbClr>
+              </a:gs>
+              <a:gs pos="100000">
+                <a:srgbClr val="00B0F0">
+                  <a:shade val="100000"/>
+                  <a:satMod val="115000"/>
+                </a:srgbClr>
+              </a:gs>
+            </a:gsLst>
+            <a:path path="circle">
+              <a:fillToRect t="100000" r="100000"/>
+            </a:path>
+            <a:tileRect l="-100000" b="-100000"/>
+          </a:gradFill>
+        </p:spPr>
+        <p:txBody>
+          <a:bodyPr vert="horz" lIns="91440" tIns="45720" rIns="91440" bIns="45720" rtlCol="0" anchor="ctr">
+            <a:normAutofit/>
+          </a:bodyPr>
+          <a:lstStyle/>
+          <a:p>
+            <a:pPr lvl="0">
+              <a:spcBef>
+                <a:spcPct val="0"/>
+              </a:spcBef>
+            </a:pPr>
+            <a:r>
+              <a:rPr lang="en-US" sz="1600" dirty="0"/>
+              <a:t>https://www.youtube.com/watch?v=7ZuSs27tQPA&amp;list=PLD0D54219E5F2544D&amp;index=8</a:t>
+            </a:r>
+            <a:endParaRPr kumimoji="0" lang="zh-TW" altLang="en-US" sz="1600" b="0" i="0" u="none" strike="noStrike" kern="1200" cap="none" spc="0" normalizeH="0" baseline="0" noProof="0" dirty="0">
+              <a:ln>
+                <a:noFill/>
+              </a:ln>
+              <a:solidFill>
+                <a:schemeClr val="tx1"/>
+              </a:solidFill>
+              <a:effectLst/>
+              <a:uLnTx/>
+              <a:uFillTx/>
+              <a:latin typeface="+mj-lt"/>
+              <a:ea typeface="+mj-ea"/>
+              <a:cs typeface="+mj-cs"/>
+            </a:endParaRPr>
+          </a:p>
+        </p:txBody>
+      </p:sp>
+      <p:sp>
+        <p:nvSpPr>
+          <p:cNvPr id="5" name="日期版面配置區 4"/>
+          <p:cNvSpPr>
+            <a:spLocks noGrp="1"/>
+          </p:cNvSpPr>
+          <p:nvPr>
+            <p:ph type="dt" sz="half" idx="10"/>
+          </p:nvPr>
+        </p:nvSpPr>
+        <p:spPr/>
+        <p:txBody>
+          <a:bodyPr/>
+          <a:lstStyle/>
+          <a:p>
+            <a:fld id="{A4F910E6-8D00-4BAF-8C48-9688E0B449D3}" type="datetime1">
+              <a:rPr lang="zh-TW" altLang="en-US" smtClean="0"/>
+              <a:pPr/>
+              <a:t>2022/11/1</a:t>
+            </a:fld>
+            <a:endParaRPr lang="zh-TW" altLang="en-US"/>
+          </a:p>
+        </p:txBody>
+      </p:sp>
+      <p:sp>
+        <p:nvSpPr>
+          <p:cNvPr id="6" name="投影片編號版面配置區 5"/>
+          <p:cNvSpPr>
+            <a:spLocks noGrp="1"/>
+          </p:cNvSpPr>
+          <p:nvPr>
+            <p:ph type="sldNum" sz="quarter" idx="12"/>
+          </p:nvPr>
+        </p:nvSpPr>
+        <p:spPr/>
+        <p:txBody>
+          <a:bodyPr/>
+          <a:lstStyle/>
+          <a:p>
+            <a:fld id="{E4D7E63D-91F2-4366-A2C4-1B00C9E2590E}" type="slidenum">
+              <a:rPr lang="zh-TW" altLang="en-US" smtClean="0"/>
+              <a:pPr/>
+              <a:t>12</a:t>
+            </a:fld>
+            <a:endParaRPr lang="zh-TW" altLang="en-US"/>
+          </a:p>
+        </p:txBody>
+      </p:sp>
+      <p:sp>
+        <p:nvSpPr>
+          <p:cNvPr id="9" name="Rectangle 8">
+            <a:extLst>
+              <a:ext uri="{FF2B5EF4-FFF2-40B4-BE49-F238E27FC236}">
+                <a16:creationId xmlns:a16="http://schemas.microsoft.com/office/drawing/2014/main" id="{799039C2-9BB2-0521-B2DA-ADF611BD36C7}"/>
+              </a:ext>
+            </a:extLst>
+          </p:cNvPr>
+          <p:cNvSpPr/>
+          <p:nvPr/>
+        </p:nvSpPr>
+        <p:spPr>
+          <a:xfrm>
+            <a:off x="4716016" y="5085184"/>
+            <a:ext cx="3312367" cy="661137"/>
+          </a:xfrm>
+          <a:prstGeom prst="rect">
+            <a:avLst/>
+          </a:prstGeom>
+          <a:noFill/>
+          <a:ln>
+            <a:solidFill>
+              <a:srgbClr val="C00000"/>
+            </a:solidFill>
+          </a:ln>
+        </p:spPr>
+        <p:style>
+          <a:lnRef idx="2">
+            <a:schemeClr val="accent1">
+              <a:shade val="50000"/>
+            </a:schemeClr>
+          </a:lnRef>
+          <a:fillRef idx="1">
+            <a:schemeClr val="accent1"/>
+          </a:fillRef>
+          <a:effectRef idx="0">
+            <a:schemeClr val="accent1"/>
+          </a:effectRef>
+          <a:fontRef idx="minor">
+            <a:schemeClr val="lt1"/>
+          </a:fontRef>
+        </p:style>
+        <p:txBody>
+          <a:bodyPr rtlCol="0" anchor="ctr"/>
+          <a:lstStyle/>
+          <a:p>
+            <a:pPr algn="ctr"/>
+            <a:endParaRPr lang="en-US"/>
+          </a:p>
+        </p:txBody>
+      </p:sp>
+    </p:spTree>
+    <p:extLst>
+      <p:ext uri="{BB962C8B-B14F-4D97-AF65-F5344CB8AC3E}">
+        <p14:creationId xmlns:p14="http://schemas.microsoft.com/office/powerpoint/2010/main" val="2282461017"/>
+      </p:ext>
+    </p:extLst>
+  </p:cSld>
+  <p:clrMapOvr>
+    <a:masterClrMapping/>
+  </p:clrMapOvr>
+</p:sld>
+</file>
+
+<file path=ppt/slides/slide13.xml><?xml version="1.0" encoding="utf-8"?>
+<p:sld xmlns:a="http://schemas.openxmlformats.org/drawingml/2006/main" xmlns:r="http://schemas.openxmlformats.org/officeDocument/2006/relationships" xmlns:p="http://schemas.openxmlformats.org/presentationml/2006/main">
+  <p:cSld>
+    <p:spTree>
+      <p:nvGrpSpPr>
+        <p:cNvPr id="1" name=""/>
+        <p:cNvGrpSpPr/>
+        <p:nvPr/>
+      </p:nvGrpSpPr>
+      <p:grpSpPr>
+        <a:xfrm>
+          <a:off x="0" y="0"/>
+          <a:ext cx="0" cy="0"/>
+          <a:chOff x="0" y="0"/>
+          <a:chExt cx="0" cy="0"/>
+        </a:xfrm>
+      </p:grpSpPr>
+      <p:sp>
+        <p:nvSpPr>
+          <p:cNvPr id="2" name="標題 1"/>
+          <p:cNvSpPr>
+            <a:spLocks noGrp="1"/>
+          </p:cNvSpPr>
+          <p:nvPr>
+            <p:ph type="ctrTitle"/>
+          </p:nvPr>
+        </p:nvSpPr>
+        <p:spPr>
+          <a:xfrm>
+            <a:off x="0" y="2130425"/>
+            <a:ext cx="9144000" cy="1470025"/>
+          </a:xfrm>
+          <a:solidFill>
+            <a:srgbClr val="00B0F0"/>
+          </a:solidFill>
+        </p:spPr>
+        <p:txBody>
+          <a:bodyPr>
+            <a:normAutofit/>
+          </a:bodyPr>
+          <a:lstStyle/>
+          <a:p>
+            <a:r>
+              <a:rPr lang="en-US" altLang="zh-TW" sz="4000" b="1" dirty="0">
+                <a:solidFill>
+                  <a:srgbClr val="FFFF00"/>
+                </a:solidFill>
+              </a:rPr>
+              <a:t>508.5 Set Layout in Window</a:t>
+            </a:r>
+            <a:endParaRPr lang="zh-TW" altLang="en-US" sz="4000" b="1" dirty="0">
+              <a:solidFill>
+                <a:srgbClr val="FFFF00"/>
+              </a:solidFill>
+            </a:endParaRPr>
+          </a:p>
+        </p:txBody>
+      </p:sp>
+      <p:sp>
+        <p:nvSpPr>
+          <p:cNvPr id="5" name="日期版面配置區 4"/>
+          <p:cNvSpPr>
+            <a:spLocks noGrp="1"/>
+          </p:cNvSpPr>
+          <p:nvPr>
+            <p:ph type="dt" sz="half" idx="10"/>
+          </p:nvPr>
+        </p:nvSpPr>
+        <p:spPr/>
+        <p:txBody>
+          <a:bodyPr/>
+          <a:lstStyle/>
+          <a:p>
+            <a:fld id="{C389EDC9-19E3-47AC-9C57-C6A24DEA81AD}" type="datetime1">
+              <a:rPr lang="zh-TW" altLang="en-US" smtClean="0"/>
+              <a:pPr/>
+              <a:t>2022/11/1</a:t>
+            </a:fld>
+            <a:endParaRPr lang="zh-TW" altLang="en-US"/>
+          </a:p>
+        </p:txBody>
+      </p:sp>
+      <p:sp>
+        <p:nvSpPr>
+          <p:cNvPr id="6" name="投影片編號版面配置區 5"/>
+          <p:cNvSpPr>
+            <a:spLocks noGrp="1"/>
+          </p:cNvSpPr>
+          <p:nvPr>
+            <p:ph type="sldNum" sz="quarter" idx="12"/>
+          </p:nvPr>
+        </p:nvSpPr>
+        <p:spPr/>
+        <p:txBody>
+          <a:bodyPr/>
+          <a:lstStyle/>
+          <a:p>
+            <a:fld id="{E4D7E63D-91F2-4366-A2C4-1B00C9E2590E}" type="slidenum">
+              <a:rPr lang="zh-TW" altLang="en-US" smtClean="0"/>
+              <a:pPr/>
+              <a:t>13</a:t>
+            </a:fld>
+            <a:endParaRPr lang="zh-TW" altLang="en-US"/>
+          </a:p>
+        </p:txBody>
+      </p:sp>
+      <p:pic>
+        <p:nvPicPr>
+          <p:cNvPr id="1026" name="Picture 2" descr="Image result for Qt logo">
+            <a:extLst>
+              <a:ext uri="{FF2B5EF4-FFF2-40B4-BE49-F238E27FC236}">
+                <a16:creationId xmlns:a16="http://schemas.microsoft.com/office/drawing/2014/main" id="{5BB30E86-0076-AFE3-8108-81F5E04DE19B}"/>
+              </a:ext>
+            </a:extLst>
+          </p:cNvPr>
+          <p:cNvPicPr>
+            <a:picLocks noChangeAspect="1" noChangeArrowheads="1"/>
+          </p:cNvPicPr>
+          <p:nvPr/>
+        </p:nvPicPr>
+        <p:blipFill>
+          <a:blip r:embed="rId2">
+            <a:extLst>
+              <a:ext uri="{28A0092B-C50C-407E-A947-70E740481C1C}">
+                <a14:useLocalDpi xmlns:a14="http://schemas.microsoft.com/office/drawing/2010/main" val="0"/>
+              </a:ext>
+            </a:extLst>
+          </a:blip>
+          <a:srcRect/>
+          <a:stretch>
+            <a:fillRect/>
+          </a:stretch>
+        </p:blipFill>
+        <p:spPr bwMode="auto">
+          <a:xfrm>
+            <a:off x="3923928" y="3665344"/>
+            <a:ext cx="1296144" cy="950506"/>
+          </a:xfrm>
+          <a:prstGeom prst="rect">
+            <a:avLst/>
+          </a:prstGeom>
+          <a:noFill/>
+          <a:extLst>
+            <a:ext uri="{909E8E84-426E-40DD-AFC4-6F175D3DCCD1}">
+              <a14:hiddenFill xmlns:a14="http://schemas.microsoft.com/office/drawing/2010/main">
+                <a:solidFill>
+                  <a:srgbClr val="FFFFFF"/>
+                </a:solidFill>
+              </a14:hiddenFill>
+            </a:ext>
+          </a:extLst>
+        </p:spPr>
+      </p:pic>
+    </p:spTree>
+    <p:extLst>
+      <p:ext uri="{BB962C8B-B14F-4D97-AF65-F5344CB8AC3E}">
+        <p14:creationId xmlns:p14="http://schemas.microsoft.com/office/powerpoint/2010/main" val="531987703"/>
+      </p:ext>
+    </p:extLst>
+  </p:cSld>
+  <p:clrMapOvr>
+    <a:masterClrMapping/>
+  </p:clrMapOvr>
+</p:sld>
+</file>
+
+<file path=ppt/slides/slide14.xml><?xml version="1.0" encoding="utf-8"?>
+<p:sld xmlns:a="http://schemas.openxmlformats.org/drawingml/2006/main" xmlns:r="http://schemas.openxmlformats.org/officeDocument/2006/relationships" xmlns:p="http://schemas.openxmlformats.org/presentationml/2006/main">
+  <p:cSld>
+    <p:spTree>
+      <p:nvGrpSpPr>
+        <p:cNvPr id="1" name=""/>
+        <p:cNvGrpSpPr/>
+        <p:nvPr/>
+      </p:nvGrpSpPr>
+      <p:grpSpPr>
+        <a:xfrm>
+          <a:off x="0" y="0"/>
+          <a:ext cx="0" cy="0"/>
+          <a:chOff x="0" y="0"/>
+          <a:chExt cx="0" cy="0"/>
+        </a:xfrm>
+      </p:grpSpPr>
+      <p:pic>
+        <p:nvPicPr>
+          <p:cNvPr id="10" name="Picture 9">
+            <a:extLst>
+              <a:ext uri="{FF2B5EF4-FFF2-40B4-BE49-F238E27FC236}">
+                <a16:creationId xmlns:a16="http://schemas.microsoft.com/office/drawing/2014/main" id="{91B93685-11E2-07D9-B017-68A852C450F6}"/>
+              </a:ext>
+            </a:extLst>
+          </p:cNvPr>
+          <p:cNvPicPr>
+            <a:picLocks noChangeAspect="1"/>
+          </p:cNvPicPr>
+          <p:nvPr/>
+        </p:nvPicPr>
+        <p:blipFill>
+          <a:blip r:embed="rId2"/>
+          <a:stretch>
+            <a:fillRect/>
+          </a:stretch>
+        </p:blipFill>
+        <p:spPr>
+          <a:xfrm>
+            <a:off x="3853965" y="1166601"/>
+            <a:ext cx="5264006" cy="5189749"/>
+          </a:xfrm>
+          <a:prstGeom prst="rect">
+            <a:avLst/>
+          </a:prstGeom>
+          <a:ln>
+            <a:solidFill>
+              <a:srgbClr val="C00000"/>
+            </a:solidFill>
+          </a:ln>
+        </p:spPr>
+      </p:pic>
+      <p:sp>
+        <p:nvSpPr>
+          <p:cNvPr id="2" name="標題 1"/>
+          <p:cNvSpPr>
+            <a:spLocks noGrp="1"/>
+          </p:cNvSpPr>
+          <p:nvPr>
+            <p:ph type="ctrTitle"/>
+          </p:nvPr>
+        </p:nvSpPr>
+        <p:spPr>
+          <a:xfrm>
+            <a:off x="0" y="1"/>
+            <a:ext cx="9144000" cy="764704"/>
+          </a:xfrm>
+          <a:gradFill flip="none" rotWithShape="1">
+            <a:gsLst>
+              <a:gs pos="0">
+                <a:srgbClr val="C00000">
+                  <a:shade val="30000"/>
+                  <a:satMod val="115000"/>
+                </a:srgbClr>
+              </a:gs>
+              <a:gs pos="50000">
+                <a:srgbClr val="C00000">
+                  <a:shade val="67500"/>
+                  <a:satMod val="115000"/>
+                </a:srgbClr>
+              </a:gs>
+              <a:gs pos="100000">
+                <a:srgbClr val="C00000">
+                  <a:shade val="100000"/>
+                  <a:satMod val="115000"/>
+                </a:srgbClr>
+              </a:gs>
+            </a:gsLst>
+            <a:path path="circle">
+              <a:fillToRect t="100000" r="100000"/>
+            </a:path>
+            <a:tileRect l="-100000" b="-100000"/>
+          </a:gradFill>
+        </p:spPr>
+        <p:txBody>
+          <a:bodyPr>
+            <a:normAutofit/>
+          </a:bodyPr>
+          <a:lstStyle/>
+          <a:p>
+            <a:pPr algn="l"/>
+            <a:r>
+              <a:rPr lang="en-US" altLang="zh-TW" sz="4000" b="1" dirty="0">
+                <a:solidFill>
+                  <a:srgbClr val="FFFF00"/>
+                </a:solidFill>
+              </a:rPr>
+              <a:t>508.5 Set Layout in Window</a:t>
+            </a:r>
+            <a:endParaRPr lang="zh-TW" altLang="en-US" sz="4000" b="1" dirty="0">
+              <a:solidFill>
+                <a:srgbClr val="FFFF00"/>
+              </a:solidFill>
+            </a:endParaRPr>
+          </a:p>
+        </p:txBody>
+      </p:sp>
+      <p:sp>
+        <p:nvSpPr>
+          <p:cNvPr id="3" name="副標題 2"/>
+          <p:cNvSpPr>
+            <a:spLocks noGrp="1"/>
+          </p:cNvSpPr>
+          <p:nvPr>
+            <p:ph type="subTitle" idx="1"/>
+          </p:nvPr>
+        </p:nvSpPr>
+        <p:spPr>
+          <a:xfrm>
+            <a:off x="438025" y="1250427"/>
+            <a:ext cx="3341888" cy="2322589"/>
+          </a:xfrm>
+          <a:ln>
+            <a:solidFill>
+              <a:srgbClr val="C00000"/>
+            </a:solidFill>
+          </a:ln>
+        </p:spPr>
+        <p:txBody>
+          <a:bodyPr>
+            <a:noAutofit/>
+          </a:bodyPr>
+          <a:lstStyle/>
+          <a:p>
+            <a:pPr marL="342900" indent="-342900" algn="l">
+              <a:buClr>
+                <a:srgbClr val="0070C0"/>
+              </a:buClr>
+              <a:buSzPct val="80000"/>
+              <a:buFont typeface="Wingdings" pitchFamily="2" charset="2"/>
+              <a:buChar char="u"/>
+            </a:pPr>
+            <a:r>
+              <a:rPr lang="en-US" sz="1800" b="1" dirty="0">
+                <a:solidFill>
+                  <a:schemeClr val="tx1"/>
+                </a:solidFill>
+              </a:rPr>
+              <a:t>Set Layout in Window</a:t>
+            </a:r>
+          </a:p>
+          <a:p>
+            <a:pPr marL="342900" indent="-342900" algn="l">
+              <a:buClr>
+                <a:srgbClr val="0070C0"/>
+              </a:buClr>
+              <a:buSzPct val="80000"/>
+              <a:buFont typeface="Wingdings" pitchFamily="2" charset="2"/>
+              <a:buChar char="u"/>
+            </a:pPr>
+            <a:r>
+              <a:rPr lang="en-US" sz="1800" dirty="0">
+                <a:solidFill>
+                  <a:schemeClr val="tx1"/>
+                </a:solidFill>
+              </a:rPr>
+              <a:t>Now, we need to tell the main window to include this layout widget.</a:t>
+            </a:r>
+          </a:p>
+          <a:p>
+            <a:pPr marL="342900" indent="-342900" algn="l">
+              <a:buClr>
+                <a:srgbClr val="0070C0"/>
+              </a:buClr>
+              <a:buSzPct val="80000"/>
+              <a:buFont typeface="Wingdings" pitchFamily="2" charset="2"/>
+              <a:buChar char="u"/>
+            </a:pPr>
+            <a:r>
+              <a:rPr lang="en-US" sz="1800" dirty="0">
+                <a:solidFill>
+                  <a:schemeClr val="tx1"/>
+                </a:solidFill>
+              </a:rPr>
+              <a:t>We then display the window and its associated child widgets (layout, slider, and spinner). </a:t>
+            </a:r>
+          </a:p>
+        </p:txBody>
+      </p:sp>
+      <p:sp>
+        <p:nvSpPr>
+          <p:cNvPr id="4" name="標題 1"/>
+          <p:cNvSpPr txBox="1">
+            <a:spLocks/>
+          </p:cNvSpPr>
+          <p:nvPr/>
+        </p:nvSpPr>
+        <p:spPr>
+          <a:xfrm>
+            <a:off x="0" y="764704"/>
+            <a:ext cx="9144000" cy="360040"/>
+          </a:xfrm>
+          <a:prstGeom prst="rect">
+            <a:avLst/>
+          </a:prstGeom>
+          <a:gradFill flip="none" rotWithShape="1">
+            <a:gsLst>
+              <a:gs pos="0">
+                <a:srgbClr val="00B0F0">
+                  <a:shade val="30000"/>
+                  <a:satMod val="115000"/>
+                </a:srgbClr>
+              </a:gs>
+              <a:gs pos="50000">
+                <a:srgbClr val="00B0F0">
+                  <a:shade val="67500"/>
+                  <a:satMod val="115000"/>
+                </a:srgbClr>
+              </a:gs>
+              <a:gs pos="100000">
+                <a:srgbClr val="00B0F0">
+                  <a:shade val="100000"/>
+                  <a:satMod val="115000"/>
+                </a:srgbClr>
+              </a:gs>
+            </a:gsLst>
+            <a:path path="circle">
+              <a:fillToRect t="100000" r="100000"/>
+            </a:path>
+            <a:tileRect l="-100000" b="-100000"/>
+          </a:gradFill>
+        </p:spPr>
+        <p:txBody>
+          <a:bodyPr vert="horz" lIns="91440" tIns="45720" rIns="91440" bIns="45720" rtlCol="0" anchor="ctr">
+            <a:normAutofit/>
+          </a:bodyPr>
+          <a:lstStyle/>
+          <a:p>
+            <a:pPr lvl="0">
+              <a:spcBef>
+                <a:spcPct val="0"/>
+              </a:spcBef>
+            </a:pPr>
+            <a:r>
+              <a:rPr lang="en-US" sz="1600" dirty="0"/>
+              <a:t>https://www.youtube.com/watch?v=7ZuSs27tQPA&amp;list=PLD0D54219E5F2544D&amp;index=8</a:t>
+            </a:r>
+            <a:endParaRPr kumimoji="0" lang="zh-TW" altLang="en-US" sz="1600" b="0" i="0" u="none" strike="noStrike" kern="1200" cap="none" spc="0" normalizeH="0" baseline="0" noProof="0" dirty="0">
+              <a:ln>
+                <a:noFill/>
+              </a:ln>
+              <a:solidFill>
+                <a:schemeClr val="tx1"/>
+              </a:solidFill>
+              <a:effectLst/>
+              <a:uLnTx/>
+              <a:uFillTx/>
+              <a:latin typeface="+mj-lt"/>
+              <a:ea typeface="+mj-ea"/>
+              <a:cs typeface="+mj-cs"/>
+            </a:endParaRPr>
+          </a:p>
+        </p:txBody>
+      </p:sp>
+      <p:sp>
+        <p:nvSpPr>
+          <p:cNvPr id="5" name="日期版面配置區 4"/>
+          <p:cNvSpPr>
+            <a:spLocks noGrp="1"/>
+          </p:cNvSpPr>
+          <p:nvPr>
+            <p:ph type="dt" sz="half" idx="10"/>
+          </p:nvPr>
+        </p:nvSpPr>
+        <p:spPr/>
+        <p:txBody>
+          <a:bodyPr/>
+          <a:lstStyle/>
+          <a:p>
+            <a:fld id="{A4F910E6-8D00-4BAF-8C48-9688E0B449D3}" type="datetime1">
+              <a:rPr lang="zh-TW" altLang="en-US" smtClean="0"/>
+              <a:pPr/>
+              <a:t>2022/11/1</a:t>
+            </a:fld>
+            <a:endParaRPr lang="zh-TW" altLang="en-US"/>
+          </a:p>
+        </p:txBody>
+      </p:sp>
+      <p:sp>
+        <p:nvSpPr>
+          <p:cNvPr id="6" name="投影片編號版面配置區 5"/>
+          <p:cNvSpPr>
+            <a:spLocks noGrp="1"/>
+          </p:cNvSpPr>
+          <p:nvPr>
+            <p:ph type="sldNum" sz="quarter" idx="12"/>
+          </p:nvPr>
+        </p:nvSpPr>
+        <p:spPr/>
+        <p:txBody>
+          <a:bodyPr/>
+          <a:lstStyle/>
+          <a:p>
+            <a:fld id="{E4D7E63D-91F2-4366-A2C4-1B00C9E2590E}" type="slidenum">
+              <a:rPr lang="zh-TW" altLang="en-US" smtClean="0"/>
+              <a:pPr/>
+              <a:t>14</a:t>
+            </a:fld>
+            <a:endParaRPr lang="zh-TW" altLang="en-US"/>
+          </a:p>
+        </p:txBody>
+      </p:sp>
+      <p:sp>
+        <p:nvSpPr>
+          <p:cNvPr id="9" name="Rectangle 8">
+            <a:extLst>
+              <a:ext uri="{FF2B5EF4-FFF2-40B4-BE49-F238E27FC236}">
+                <a16:creationId xmlns:a16="http://schemas.microsoft.com/office/drawing/2014/main" id="{799039C2-9BB2-0521-B2DA-ADF611BD36C7}"/>
+              </a:ext>
+            </a:extLst>
+          </p:cNvPr>
+          <p:cNvSpPr/>
+          <p:nvPr/>
+        </p:nvSpPr>
+        <p:spPr>
+          <a:xfrm>
+            <a:off x="4572000" y="5301208"/>
+            <a:ext cx="3456383" cy="445113"/>
+          </a:xfrm>
+          <a:prstGeom prst="rect">
+            <a:avLst/>
+          </a:prstGeom>
+          <a:noFill/>
+          <a:ln>
+            <a:solidFill>
+              <a:srgbClr val="C00000"/>
+            </a:solidFill>
+          </a:ln>
+        </p:spPr>
+        <p:style>
+          <a:lnRef idx="2">
+            <a:schemeClr val="accent1">
+              <a:shade val="50000"/>
+            </a:schemeClr>
+          </a:lnRef>
+          <a:fillRef idx="1">
+            <a:schemeClr val="accent1"/>
+          </a:fillRef>
+          <a:effectRef idx="0">
+            <a:schemeClr val="accent1"/>
+          </a:effectRef>
+          <a:fontRef idx="minor">
+            <a:schemeClr val="lt1"/>
+          </a:fontRef>
+        </p:style>
+        <p:txBody>
+          <a:bodyPr rtlCol="0" anchor="ctr"/>
+          <a:lstStyle/>
+          <a:p>
+            <a:pPr algn="ctr"/>
+            <a:endParaRPr lang="en-US"/>
+          </a:p>
+        </p:txBody>
+      </p:sp>
+    </p:spTree>
+    <p:extLst>
+      <p:ext uri="{BB962C8B-B14F-4D97-AF65-F5344CB8AC3E}">
+        <p14:creationId xmlns:p14="http://schemas.microsoft.com/office/powerpoint/2010/main" val="2959261160"/>
+      </p:ext>
+    </p:extLst>
+  </p:cSld>
+  <p:clrMapOvr>
+    <a:masterClrMapping/>
+  </p:clrMapOvr>
+</p:sld>
+</file>
+
+<file path=ppt/slides/slide15.xml><?xml version="1.0" encoding="utf-8"?>
+<p:sld xmlns:a="http://schemas.openxmlformats.org/drawingml/2006/main" xmlns:r="http://schemas.openxmlformats.org/officeDocument/2006/relationships" xmlns:p="http://schemas.openxmlformats.org/presentationml/2006/main">
+  <p:cSld>
+    <p:spTree>
+      <p:nvGrpSpPr>
+        <p:cNvPr id="1" name=""/>
+        <p:cNvGrpSpPr/>
+        <p:nvPr/>
+      </p:nvGrpSpPr>
+      <p:grpSpPr>
+        <a:xfrm>
+          <a:off x="0" y="0"/>
+          <a:ext cx="0" cy="0"/>
+          <a:chOff x="0" y="0"/>
+          <a:chExt cx="0" cy="0"/>
+        </a:xfrm>
+      </p:grpSpPr>
+      <p:sp>
+        <p:nvSpPr>
+          <p:cNvPr id="2" name="標題 1"/>
+          <p:cNvSpPr>
+            <a:spLocks noGrp="1"/>
+          </p:cNvSpPr>
+          <p:nvPr>
+            <p:ph type="ctrTitle"/>
+          </p:nvPr>
+        </p:nvSpPr>
+        <p:spPr>
+          <a:xfrm>
+            <a:off x="0" y="2130425"/>
+            <a:ext cx="9144000" cy="1470025"/>
+          </a:xfrm>
+          <a:solidFill>
+            <a:srgbClr val="00B0F0"/>
+          </a:solidFill>
+        </p:spPr>
+        <p:txBody>
+          <a:bodyPr>
+            <a:normAutofit/>
+          </a:bodyPr>
+          <a:lstStyle/>
+          <a:p>
+            <a:r>
+              <a:rPr lang="en-US" altLang="zh-TW" sz="4000" b="1" dirty="0">
+                <a:solidFill>
+                  <a:srgbClr val="FFFF00"/>
+                </a:solidFill>
+              </a:rPr>
+              <a:t>508.6 Run Sync Widgets</a:t>
+            </a:r>
+            <a:endParaRPr lang="zh-TW" altLang="en-US" sz="4000" b="1" dirty="0">
+              <a:solidFill>
+                <a:srgbClr val="FFFF00"/>
+              </a:solidFill>
+            </a:endParaRPr>
+          </a:p>
+        </p:txBody>
+      </p:sp>
+      <p:sp>
+        <p:nvSpPr>
+          <p:cNvPr id="5" name="日期版面配置區 4"/>
+          <p:cNvSpPr>
+            <a:spLocks noGrp="1"/>
+          </p:cNvSpPr>
+          <p:nvPr>
+            <p:ph type="dt" sz="half" idx="10"/>
+          </p:nvPr>
+        </p:nvSpPr>
+        <p:spPr/>
+        <p:txBody>
+          <a:bodyPr/>
+          <a:lstStyle/>
+          <a:p>
+            <a:fld id="{C389EDC9-19E3-47AC-9C57-C6A24DEA81AD}" type="datetime1">
+              <a:rPr lang="zh-TW" altLang="en-US" smtClean="0"/>
+              <a:pPr/>
+              <a:t>2022/11/1</a:t>
+            </a:fld>
+            <a:endParaRPr lang="zh-TW" altLang="en-US"/>
+          </a:p>
+        </p:txBody>
+      </p:sp>
+      <p:sp>
+        <p:nvSpPr>
+          <p:cNvPr id="6" name="投影片編號版面配置區 5"/>
+          <p:cNvSpPr>
+            <a:spLocks noGrp="1"/>
+          </p:cNvSpPr>
+          <p:nvPr>
+            <p:ph type="sldNum" sz="quarter" idx="12"/>
+          </p:nvPr>
+        </p:nvSpPr>
+        <p:spPr/>
+        <p:txBody>
+          <a:bodyPr/>
+          <a:lstStyle/>
+          <a:p>
+            <a:fld id="{E4D7E63D-91F2-4366-A2C4-1B00C9E2590E}" type="slidenum">
+              <a:rPr lang="zh-TW" altLang="en-US" smtClean="0"/>
+              <a:pPr/>
+              <a:t>15</a:t>
+            </a:fld>
+            <a:endParaRPr lang="zh-TW" altLang="en-US"/>
+          </a:p>
+        </p:txBody>
+      </p:sp>
+      <p:pic>
+        <p:nvPicPr>
+          <p:cNvPr id="1026" name="Picture 2" descr="Image result for Qt logo">
+            <a:extLst>
+              <a:ext uri="{FF2B5EF4-FFF2-40B4-BE49-F238E27FC236}">
+                <a16:creationId xmlns:a16="http://schemas.microsoft.com/office/drawing/2014/main" id="{5BB30E86-0076-AFE3-8108-81F5E04DE19B}"/>
+              </a:ext>
+            </a:extLst>
+          </p:cNvPr>
+          <p:cNvPicPr>
+            <a:picLocks noChangeAspect="1" noChangeArrowheads="1"/>
+          </p:cNvPicPr>
+          <p:nvPr/>
+        </p:nvPicPr>
+        <p:blipFill>
+          <a:blip r:embed="rId2">
+            <a:extLst>
+              <a:ext uri="{28A0092B-C50C-407E-A947-70E740481C1C}">
+                <a14:useLocalDpi xmlns:a14="http://schemas.microsoft.com/office/drawing/2010/main" val="0"/>
+              </a:ext>
+            </a:extLst>
+          </a:blip>
+          <a:srcRect/>
+          <a:stretch>
+            <a:fillRect/>
+          </a:stretch>
+        </p:blipFill>
+        <p:spPr bwMode="auto">
+          <a:xfrm>
+            <a:off x="3923928" y="3665344"/>
+            <a:ext cx="1296144" cy="950506"/>
+          </a:xfrm>
+          <a:prstGeom prst="rect">
+            <a:avLst/>
+          </a:prstGeom>
+          <a:noFill/>
+          <a:extLst>
+            <a:ext uri="{909E8E84-426E-40DD-AFC4-6F175D3DCCD1}">
+              <a14:hiddenFill xmlns:a14="http://schemas.microsoft.com/office/drawing/2010/main">
+                <a:solidFill>
+                  <a:srgbClr val="FFFFFF"/>
+                </a:solidFill>
+              </a14:hiddenFill>
+            </a:ext>
+          </a:extLst>
+        </p:spPr>
+      </p:pic>
+    </p:spTree>
+    <p:extLst>
+      <p:ext uri="{BB962C8B-B14F-4D97-AF65-F5344CB8AC3E}">
+        <p14:creationId xmlns:p14="http://schemas.microsoft.com/office/powerpoint/2010/main" val="3028689969"/>
+      </p:ext>
+    </p:extLst>
+  </p:cSld>
+  <p:clrMapOvr>
+    <a:masterClrMapping/>
+  </p:clrMapOvr>
+</p:sld>
+</file>
+
+<file path=ppt/slides/slide16.xml><?xml version="1.0" encoding="utf-8"?>
+<p:sld xmlns:a="http://schemas.openxmlformats.org/drawingml/2006/main" xmlns:r="http://schemas.openxmlformats.org/officeDocument/2006/relationships" xmlns:p="http://schemas.openxmlformats.org/presentationml/2006/main">
+  <p:cSld>
+    <p:spTree>
+      <p:nvGrpSpPr>
+        <p:cNvPr id="1" name=""/>
+        <p:cNvGrpSpPr/>
+        <p:nvPr/>
+      </p:nvGrpSpPr>
+      <p:grpSpPr>
+        <a:xfrm>
+          <a:off x="0" y="0"/>
+          <a:ext cx="0" cy="0"/>
+          <a:chOff x="0" y="0"/>
+          <a:chExt cx="0" cy="0"/>
+        </a:xfrm>
+      </p:grpSpPr>
+      <p:sp>
+        <p:nvSpPr>
+          <p:cNvPr id="2" name="標題 1"/>
+          <p:cNvSpPr>
+            <a:spLocks noGrp="1"/>
+          </p:cNvSpPr>
+          <p:nvPr>
+            <p:ph type="ctrTitle"/>
+          </p:nvPr>
+        </p:nvSpPr>
+        <p:spPr>
+          <a:xfrm>
+            <a:off x="0" y="1"/>
+            <a:ext cx="9144000" cy="764704"/>
+          </a:xfrm>
+          <a:gradFill flip="none" rotWithShape="1">
+            <a:gsLst>
+              <a:gs pos="0">
+                <a:srgbClr val="C00000">
+                  <a:shade val="30000"/>
+                  <a:satMod val="115000"/>
+                </a:srgbClr>
+              </a:gs>
+              <a:gs pos="50000">
+                <a:srgbClr val="C00000">
+                  <a:shade val="67500"/>
+                  <a:satMod val="115000"/>
+                </a:srgbClr>
+              </a:gs>
+              <a:gs pos="100000">
+                <a:srgbClr val="C00000">
+                  <a:shade val="100000"/>
+                  <a:satMod val="115000"/>
+                </a:srgbClr>
+              </a:gs>
+            </a:gsLst>
+            <a:path path="circle">
+              <a:fillToRect t="100000" r="100000"/>
+            </a:path>
+            <a:tileRect l="-100000" b="-100000"/>
+          </a:gradFill>
+        </p:spPr>
+        <p:txBody>
+          <a:bodyPr>
+            <a:normAutofit/>
+          </a:bodyPr>
+          <a:lstStyle/>
+          <a:p>
+            <a:pPr algn="l"/>
+            <a:r>
+              <a:rPr lang="en-US" altLang="zh-TW" sz="4000" b="1" dirty="0">
+                <a:solidFill>
+                  <a:srgbClr val="FFFF00"/>
+                </a:solidFill>
+              </a:rPr>
+              <a:t>508.6 Run Sync Widgets</a:t>
+            </a:r>
+            <a:endParaRPr lang="zh-TW" altLang="en-US" sz="4000" b="1" dirty="0">
+              <a:solidFill>
+                <a:srgbClr val="FFFF00"/>
+              </a:solidFill>
+            </a:endParaRPr>
+          </a:p>
+        </p:txBody>
+      </p:sp>
+      <p:sp>
+        <p:nvSpPr>
+          <p:cNvPr id="3" name="副標題 2"/>
+          <p:cNvSpPr>
+            <a:spLocks noGrp="1"/>
+          </p:cNvSpPr>
+          <p:nvPr>
+            <p:ph type="subTitle" idx="1"/>
+          </p:nvPr>
+        </p:nvSpPr>
+        <p:spPr>
+          <a:xfrm>
+            <a:off x="438025" y="1250427"/>
+            <a:ext cx="3341888" cy="1026445"/>
+          </a:xfrm>
+          <a:ln>
+            <a:solidFill>
+              <a:srgbClr val="C00000"/>
+            </a:solidFill>
+          </a:ln>
+        </p:spPr>
+        <p:txBody>
+          <a:bodyPr>
+            <a:noAutofit/>
+          </a:bodyPr>
+          <a:lstStyle/>
+          <a:p>
+            <a:pPr marL="342900" indent="-342900" algn="l">
+              <a:buClr>
+                <a:srgbClr val="0070C0"/>
+              </a:buClr>
+              <a:buSzPct val="80000"/>
+              <a:buFont typeface="Wingdings" pitchFamily="2" charset="2"/>
+              <a:buChar char="u"/>
+            </a:pPr>
+            <a:r>
+              <a:rPr lang="en-US" sz="1800" b="1" dirty="0">
+                <a:solidFill>
+                  <a:schemeClr val="tx1"/>
+                </a:solidFill>
+              </a:rPr>
+              <a:t>Run Sync Widgets</a:t>
+            </a:r>
+          </a:p>
+          <a:p>
+            <a:pPr marL="342900" indent="-342900" algn="l">
+              <a:buClr>
+                <a:srgbClr val="0070C0"/>
+              </a:buClr>
+              <a:buSzPct val="80000"/>
+              <a:buFont typeface="Wingdings" pitchFamily="2" charset="2"/>
+              <a:buChar char="u"/>
+            </a:pPr>
+            <a:r>
+              <a:rPr lang="en-US" sz="1800" dirty="0">
+                <a:solidFill>
+                  <a:schemeClr val="tx1"/>
+                </a:solidFill>
+              </a:rPr>
+              <a:t>The initial slider value is set to 10.</a:t>
+            </a:r>
+          </a:p>
+        </p:txBody>
+      </p:sp>
+      <p:sp>
+        <p:nvSpPr>
+          <p:cNvPr id="4" name="標題 1"/>
+          <p:cNvSpPr txBox="1">
+            <a:spLocks/>
+          </p:cNvSpPr>
+          <p:nvPr/>
+        </p:nvSpPr>
+        <p:spPr>
+          <a:xfrm>
+            <a:off x="0" y="764704"/>
+            <a:ext cx="9144000" cy="360040"/>
+          </a:xfrm>
+          <a:prstGeom prst="rect">
+            <a:avLst/>
+          </a:prstGeom>
+          <a:gradFill flip="none" rotWithShape="1">
+            <a:gsLst>
+              <a:gs pos="0">
+                <a:srgbClr val="00B0F0">
+                  <a:shade val="30000"/>
+                  <a:satMod val="115000"/>
+                </a:srgbClr>
+              </a:gs>
+              <a:gs pos="50000">
+                <a:srgbClr val="00B0F0">
+                  <a:shade val="67500"/>
+                  <a:satMod val="115000"/>
+                </a:srgbClr>
+              </a:gs>
+              <a:gs pos="100000">
+                <a:srgbClr val="00B0F0">
+                  <a:shade val="100000"/>
+                  <a:satMod val="115000"/>
+                </a:srgbClr>
+              </a:gs>
+            </a:gsLst>
+            <a:path path="circle">
+              <a:fillToRect t="100000" r="100000"/>
+            </a:path>
+            <a:tileRect l="-100000" b="-100000"/>
+          </a:gradFill>
+        </p:spPr>
+        <p:txBody>
+          <a:bodyPr vert="horz" lIns="91440" tIns="45720" rIns="91440" bIns="45720" rtlCol="0" anchor="ctr">
+            <a:normAutofit/>
+          </a:bodyPr>
+          <a:lstStyle/>
+          <a:p>
+            <a:pPr lvl="0">
+              <a:spcBef>
+                <a:spcPct val="0"/>
+              </a:spcBef>
+            </a:pPr>
+            <a:r>
+              <a:rPr lang="en-US" sz="1600" dirty="0"/>
+              <a:t>https://www.youtube.com/watch?v=7ZuSs27tQPA&amp;list=PLD0D54219E5F2544D&amp;index=8</a:t>
+            </a:r>
+            <a:endParaRPr kumimoji="0" lang="zh-TW" altLang="en-US" sz="1600" b="0" i="0" u="none" strike="noStrike" kern="1200" cap="none" spc="0" normalizeH="0" baseline="0" noProof="0" dirty="0">
+              <a:ln>
+                <a:noFill/>
+              </a:ln>
+              <a:solidFill>
+                <a:schemeClr val="tx1"/>
+              </a:solidFill>
+              <a:effectLst/>
+              <a:uLnTx/>
+              <a:uFillTx/>
+              <a:latin typeface="+mj-lt"/>
+              <a:ea typeface="+mj-ea"/>
+              <a:cs typeface="+mj-cs"/>
+            </a:endParaRPr>
+          </a:p>
+        </p:txBody>
+      </p:sp>
+      <p:sp>
+        <p:nvSpPr>
+          <p:cNvPr id="5" name="日期版面配置區 4"/>
+          <p:cNvSpPr>
+            <a:spLocks noGrp="1"/>
+          </p:cNvSpPr>
+          <p:nvPr>
+            <p:ph type="dt" sz="half" idx="10"/>
+          </p:nvPr>
+        </p:nvSpPr>
+        <p:spPr/>
+        <p:txBody>
+          <a:bodyPr/>
+          <a:lstStyle/>
+          <a:p>
+            <a:fld id="{A4F910E6-8D00-4BAF-8C48-9688E0B449D3}" type="datetime1">
+              <a:rPr lang="zh-TW" altLang="en-US" smtClean="0"/>
+              <a:pPr/>
+              <a:t>2022/11/1</a:t>
+            </a:fld>
+            <a:endParaRPr lang="zh-TW" altLang="en-US"/>
+          </a:p>
+        </p:txBody>
+      </p:sp>
+      <p:sp>
+        <p:nvSpPr>
+          <p:cNvPr id="6" name="投影片編號版面配置區 5"/>
+          <p:cNvSpPr>
+            <a:spLocks noGrp="1"/>
+          </p:cNvSpPr>
+          <p:nvPr>
+            <p:ph type="sldNum" sz="quarter" idx="12"/>
+          </p:nvPr>
+        </p:nvSpPr>
+        <p:spPr/>
+        <p:txBody>
+          <a:bodyPr/>
+          <a:lstStyle/>
+          <a:p>
+            <a:fld id="{E4D7E63D-91F2-4366-A2C4-1B00C9E2590E}" type="slidenum">
+              <a:rPr lang="zh-TW" altLang="en-US" smtClean="0"/>
+              <a:pPr/>
+              <a:t>16</a:t>
+            </a:fld>
+            <a:endParaRPr lang="zh-TW" altLang="en-US"/>
+          </a:p>
+        </p:txBody>
+      </p:sp>
+      <p:pic>
+        <p:nvPicPr>
+          <p:cNvPr id="12" name="Picture 11">
+            <a:extLst>
+              <a:ext uri="{FF2B5EF4-FFF2-40B4-BE49-F238E27FC236}">
+                <a16:creationId xmlns:a16="http://schemas.microsoft.com/office/drawing/2014/main" id="{3BA278D8-066A-7386-F8B4-D44411469215}"/>
+              </a:ext>
+            </a:extLst>
+          </p:cNvPr>
+          <p:cNvPicPr>
+            <a:picLocks noChangeAspect="1"/>
+          </p:cNvPicPr>
+          <p:nvPr/>
+        </p:nvPicPr>
+        <p:blipFill>
+          <a:blip r:embed="rId2"/>
+          <a:stretch>
+            <a:fillRect/>
+          </a:stretch>
+        </p:blipFill>
+        <p:spPr>
+          <a:xfrm>
+            <a:off x="4427984" y="1408509"/>
+            <a:ext cx="4574455" cy="4631369"/>
+          </a:xfrm>
+          <a:prstGeom prst="rect">
+            <a:avLst/>
+          </a:prstGeom>
+          <a:ln>
+            <a:solidFill>
+              <a:srgbClr val="C00000"/>
+            </a:solidFill>
+          </a:ln>
+        </p:spPr>
+      </p:pic>
+      <p:pic>
+        <p:nvPicPr>
+          <p:cNvPr id="14" name="Picture 13">
+            <a:extLst>
+              <a:ext uri="{FF2B5EF4-FFF2-40B4-BE49-F238E27FC236}">
+                <a16:creationId xmlns:a16="http://schemas.microsoft.com/office/drawing/2014/main" id="{CFA15BB7-15D5-CFCF-3BEF-D076059E6B1C}"/>
+              </a:ext>
+            </a:extLst>
+          </p:cNvPr>
+          <p:cNvPicPr>
+            <a:picLocks noChangeAspect="1"/>
+          </p:cNvPicPr>
+          <p:nvPr/>
+        </p:nvPicPr>
+        <p:blipFill>
+          <a:blip r:embed="rId3"/>
+          <a:stretch>
+            <a:fillRect/>
+          </a:stretch>
+        </p:blipFill>
+        <p:spPr>
+          <a:xfrm>
+            <a:off x="121896" y="3667209"/>
+            <a:ext cx="4257675" cy="2219325"/>
+          </a:xfrm>
+          <a:prstGeom prst="rect">
+            <a:avLst/>
+          </a:prstGeom>
+          <a:ln>
+            <a:solidFill>
+              <a:srgbClr val="C00000"/>
+            </a:solidFill>
+          </a:ln>
+        </p:spPr>
+      </p:pic>
+    </p:spTree>
+    <p:extLst>
+      <p:ext uri="{BB962C8B-B14F-4D97-AF65-F5344CB8AC3E}">
+        <p14:creationId xmlns:p14="http://schemas.microsoft.com/office/powerpoint/2010/main" val="3784461756"/>
+      </p:ext>
+    </p:extLst>
+  </p:cSld>
+  <p:clrMapOvr>
+    <a:masterClrMapping/>
+  </p:clrMapOvr>
+</p:sld>
+</file>
+
+<file path=ppt/slides/slide17.xml><?xml version="1.0" encoding="utf-8"?>
+<p:sld xmlns:a="http://schemas.openxmlformats.org/drawingml/2006/main" xmlns:r="http://schemas.openxmlformats.org/officeDocument/2006/relationships" xmlns:p="http://schemas.openxmlformats.org/presentationml/2006/main">
+  <p:cSld>
+    <p:spTree>
+      <p:nvGrpSpPr>
+        <p:cNvPr id="1" name=""/>
+        <p:cNvGrpSpPr/>
+        <p:nvPr/>
+      </p:nvGrpSpPr>
+      <p:grpSpPr>
+        <a:xfrm>
+          <a:off x="0" y="0"/>
+          <a:ext cx="0" cy="0"/>
+          <a:chOff x="0" y="0"/>
+          <a:chExt cx="0" cy="0"/>
+        </a:xfrm>
+      </p:grpSpPr>
+      <p:sp>
+        <p:nvSpPr>
+          <p:cNvPr id="2" name="標題 1"/>
+          <p:cNvSpPr>
+            <a:spLocks noGrp="1"/>
+          </p:cNvSpPr>
+          <p:nvPr>
+            <p:ph type="ctrTitle"/>
+          </p:nvPr>
+        </p:nvSpPr>
+        <p:spPr>
+          <a:xfrm>
+            <a:off x="0" y="1"/>
+            <a:ext cx="9144000" cy="764704"/>
+          </a:xfrm>
+          <a:gradFill flip="none" rotWithShape="1">
+            <a:gsLst>
+              <a:gs pos="0">
+                <a:srgbClr val="C00000">
+                  <a:shade val="30000"/>
+                  <a:satMod val="115000"/>
+                </a:srgbClr>
+              </a:gs>
+              <a:gs pos="50000">
+                <a:srgbClr val="C00000">
+                  <a:shade val="67500"/>
+                  <a:satMod val="115000"/>
+                </a:srgbClr>
+              </a:gs>
+              <a:gs pos="100000">
+                <a:srgbClr val="C00000">
+                  <a:shade val="100000"/>
+                  <a:satMod val="115000"/>
+                </a:srgbClr>
+              </a:gs>
+            </a:gsLst>
+            <a:path path="circle">
+              <a:fillToRect t="100000" r="100000"/>
+            </a:path>
+            <a:tileRect l="-100000" b="-100000"/>
+          </a:gradFill>
+        </p:spPr>
+        <p:txBody>
+          <a:bodyPr>
+            <a:normAutofit/>
+          </a:bodyPr>
+          <a:lstStyle/>
+          <a:p>
+            <a:pPr algn="l"/>
+            <a:r>
+              <a:rPr lang="en-US" altLang="zh-TW" sz="4000" b="1" dirty="0">
+                <a:solidFill>
+                  <a:srgbClr val="FFFF00"/>
+                </a:solidFill>
+              </a:rPr>
+              <a:t>508.6 Run Sync Widgets</a:t>
+            </a:r>
+            <a:endParaRPr lang="zh-TW" altLang="en-US" sz="4000" b="1" dirty="0">
+              <a:solidFill>
+                <a:srgbClr val="FFFF00"/>
+              </a:solidFill>
+            </a:endParaRPr>
+          </a:p>
+        </p:txBody>
+      </p:sp>
+      <p:sp>
+        <p:nvSpPr>
+          <p:cNvPr id="3" name="副標題 2"/>
+          <p:cNvSpPr>
+            <a:spLocks noGrp="1"/>
+          </p:cNvSpPr>
+          <p:nvPr>
+            <p:ph type="subTitle" idx="1"/>
+          </p:nvPr>
+        </p:nvSpPr>
+        <p:spPr>
+          <a:xfrm>
+            <a:off x="438024" y="1250427"/>
+            <a:ext cx="8248775" cy="2394597"/>
+          </a:xfrm>
+          <a:ln>
+            <a:solidFill>
+              <a:srgbClr val="C00000"/>
+            </a:solidFill>
+          </a:ln>
+        </p:spPr>
+        <p:txBody>
+          <a:bodyPr>
+            <a:noAutofit/>
+          </a:bodyPr>
+          <a:lstStyle/>
+          <a:p>
+            <a:pPr marL="342900" indent="-342900" algn="l">
+              <a:buClr>
+                <a:srgbClr val="0070C0"/>
+              </a:buClr>
+              <a:buSzPct val="80000"/>
+              <a:buFont typeface="Wingdings" pitchFamily="2" charset="2"/>
+              <a:buChar char="u"/>
+            </a:pPr>
+            <a:r>
+              <a:rPr lang="en-US" sz="1800" b="1" dirty="0">
+                <a:solidFill>
+                  <a:schemeClr val="tx1"/>
+                </a:solidFill>
+              </a:rPr>
+              <a:t>Run Sync Widgets</a:t>
+            </a:r>
+          </a:p>
+          <a:p>
+            <a:pPr marL="342900" indent="-342900" algn="l">
+              <a:buClr>
+                <a:srgbClr val="0070C0"/>
+              </a:buClr>
+              <a:buSzPct val="80000"/>
+              <a:buFont typeface="Wingdings" pitchFamily="2" charset="2"/>
+              <a:buChar char="u"/>
+            </a:pPr>
+            <a:r>
+              <a:rPr lang="en-US" sz="1800" dirty="0">
+                <a:solidFill>
+                  <a:schemeClr val="tx1"/>
+                </a:solidFill>
+              </a:rPr>
+              <a:t>When we drag the slider position, the  value in spinner box updated.</a:t>
+            </a:r>
+          </a:p>
+          <a:p>
+            <a:pPr marL="342900" indent="-342900" algn="l">
+              <a:buClr>
+                <a:srgbClr val="0070C0"/>
+              </a:buClr>
+              <a:buSzPct val="80000"/>
+              <a:buFont typeface="Wingdings" pitchFamily="2" charset="2"/>
+              <a:buChar char="u"/>
+            </a:pPr>
+            <a:r>
+              <a:rPr lang="en-US" sz="1800" dirty="0">
+                <a:solidFill>
+                  <a:schemeClr val="tx1"/>
+                </a:solidFill>
+              </a:rPr>
+              <a:t>When we change the values in  spinner box, the slider position change as well.</a:t>
+            </a:r>
+          </a:p>
+          <a:p>
+            <a:pPr marL="342900" indent="-342900" algn="l">
+              <a:buClr>
+                <a:srgbClr val="0070C0"/>
+              </a:buClr>
+              <a:buSzPct val="80000"/>
+              <a:buFont typeface="Wingdings" pitchFamily="2" charset="2"/>
+              <a:buChar char="u"/>
+            </a:pPr>
+            <a:r>
+              <a:rPr lang="en-US" sz="1800" dirty="0">
+                <a:solidFill>
+                  <a:schemeClr val="tx1"/>
+                </a:solidFill>
+              </a:rPr>
+              <a:t>The mainWindow  widget is the parent.</a:t>
+            </a:r>
+          </a:p>
+          <a:p>
+            <a:pPr marL="342900" indent="-342900" algn="l">
+              <a:buClr>
+                <a:srgbClr val="0070C0"/>
+              </a:buClr>
+              <a:buSzPct val="80000"/>
+              <a:buFont typeface="Wingdings" pitchFamily="2" charset="2"/>
+              <a:buChar char="u"/>
+            </a:pPr>
+            <a:r>
+              <a:rPr lang="en-US" sz="1800" dirty="0">
+                <a:solidFill>
+                  <a:schemeClr val="tx1"/>
+                </a:solidFill>
+              </a:rPr>
+              <a:t>The layout is the manager widget.</a:t>
+            </a:r>
+          </a:p>
+          <a:p>
+            <a:pPr marL="342900" indent="-342900" algn="l">
+              <a:buClr>
+                <a:srgbClr val="0070C0"/>
+              </a:buClr>
+              <a:buSzPct val="80000"/>
+              <a:buFont typeface="Wingdings" pitchFamily="2" charset="2"/>
+              <a:buChar char="u"/>
+            </a:pPr>
+            <a:r>
+              <a:rPr lang="en-US" sz="1800" dirty="0">
+                <a:solidFill>
+                  <a:schemeClr val="tx1"/>
+                </a:solidFill>
+              </a:rPr>
+              <a:t>The children widgets are slider and spinner.</a:t>
+            </a:r>
+          </a:p>
+          <a:p>
+            <a:pPr marL="342900" indent="-342900" algn="l">
+              <a:buClr>
+                <a:srgbClr val="0070C0"/>
+              </a:buClr>
+              <a:buSzPct val="80000"/>
+              <a:buFont typeface="Wingdings" pitchFamily="2" charset="2"/>
+              <a:buChar char="u"/>
+            </a:pPr>
+            <a:r>
+              <a:rPr lang="en-US" sz="1800" dirty="0">
+                <a:solidFill>
+                  <a:schemeClr val="tx1"/>
+                </a:solidFill>
+              </a:rPr>
+              <a:t>We show the parent widget, the children widgets are automatically displayed.</a:t>
+            </a:r>
+          </a:p>
+          <a:p>
+            <a:pPr marL="342900" indent="-342900" algn="l">
+              <a:buClr>
+                <a:srgbClr val="0070C0"/>
+              </a:buClr>
+              <a:buSzPct val="80000"/>
+              <a:buFont typeface="Wingdings" pitchFamily="2" charset="2"/>
+              <a:buChar char="u"/>
+            </a:pPr>
+            <a:endParaRPr lang="en-US" sz="1800" dirty="0">
+              <a:solidFill>
+                <a:schemeClr val="tx1"/>
+              </a:solidFill>
+            </a:endParaRPr>
+          </a:p>
+        </p:txBody>
+      </p:sp>
+      <p:sp>
+        <p:nvSpPr>
+          <p:cNvPr id="4" name="標題 1"/>
+          <p:cNvSpPr txBox="1">
+            <a:spLocks/>
+          </p:cNvSpPr>
+          <p:nvPr/>
+        </p:nvSpPr>
+        <p:spPr>
+          <a:xfrm>
+            <a:off x="0" y="764704"/>
+            <a:ext cx="9144000" cy="360040"/>
+          </a:xfrm>
+          <a:prstGeom prst="rect">
+            <a:avLst/>
+          </a:prstGeom>
+          <a:gradFill flip="none" rotWithShape="1">
+            <a:gsLst>
+              <a:gs pos="0">
+                <a:srgbClr val="00B0F0">
+                  <a:shade val="30000"/>
+                  <a:satMod val="115000"/>
+                </a:srgbClr>
+              </a:gs>
+              <a:gs pos="50000">
+                <a:srgbClr val="00B0F0">
+                  <a:shade val="67500"/>
+                  <a:satMod val="115000"/>
+                </a:srgbClr>
+              </a:gs>
+              <a:gs pos="100000">
+                <a:srgbClr val="00B0F0">
+                  <a:shade val="100000"/>
+                  <a:satMod val="115000"/>
+                </a:srgbClr>
+              </a:gs>
+            </a:gsLst>
+            <a:path path="circle">
+              <a:fillToRect t="100000" r="100000"/>
+            </a:path>
+            <a:tileRect l="-100000" b="-100000"/>
+          </a:gradFill>
+        </p:spPr>
+        <p:txBody>
+          <a:bodyPr vert="horz" lIns="91440" tIns="45720" rIns="91440" bIns="45720" rtlCol="0" anchor="ctr">
+            <a:normAutofit/>
+          </a:bodyPr>
+          <a:lstStyle/>
+          <a:p>
+            <a:pPr lvl="0">
+              <a:spcBef>
+                <a:spcPct val="0"/>
+              </a:spcBef>
+            </a:pPr>
+            <a:r>
+              <a:rPr lang="en-US" sz="1600" dirty="0"/>
+              <a:t>https://www.youtube.com/watch?v=7ZuSs27tQPA&amp;list=PLD0D54219E5F2544D&amp;index=8</a:t>
+            </a:r>
+            <a:endParaRPr kumimoji="0" lang="zh-TW" altLang="en-US" sz="1600" b="0" i="0" u="none" strike="noStrike" kern="1200" cap="none" spc="0" normalizeH="0" baseline="0" noProof="0" dirty="0">
+              <a:ln>
+                <a:noFill/>
+              </a:ln>
+              <a:solidFill>
+                <a:schemeClr val="tx1"/>
+              </a:solidFill>
+              <a:effectLst/>
+              <a:uLnTx/>
+              <a:uFillTx/>
+              <a:latin typeface="+mj-lt"/>
+              <a:ea typeface="+mj-ea"/>
+              <a:cs typeface="+mj-cs"/>
+            </a:endParaRPr>
+          </a:p>
+        </p:txBody>
+      </p:sp>
+      <p:sp>
+        <p:nvSpPr>
+          <p:cNvPr id="5" name="日期版面配置區 4"/>
+          <p:cNvSpPr>
+            <a:spLocks noGrp="1"/>
+          </p:cNvSpPr>
+          <p:nvPr>
+            <p:ph type="dt" sz="half" idx="10"/>
+          </p:nvPr>
+        </p:nvSpPr>
+        <p:spPr/>
+        <p:txBody>
+          <a:bodyPr/>
+          <a:lstStyle/>
+          <a:p>
+            <a:fld id="{A4F910E6-8D00-4BAF-8C48-9688E0B449D3}" type="datetime1">
+              <a:rPr lang="zh-TW" altLang="en-US" smtClean="0"/>
+              <a:pPr/>
+              <a:t>2022/11/1</a:t>
+            </a:fld>
+            <a:endParaRPr lang="zh-TW" altLang="en-US"/>
+          </a:p>
+        </p:txBody>
+      </p:sp>
+      <p:sp>
+        <p:nvSpPr>
+          <p:cNvPr id="6" name="投影片編號版面配置區 5"/>
+          <p:cNvSpPr>
+            <a:spLocks noGrp="1"/>
+          </p:cNvSpPr>
+          <p:nvPr>
+            <p:ph type="sldNum" sz="quarter" idx="12"/>
+          </p:nvPr>
+        </p:nvSpPr>
+        <p:spPr/>
+        <p:txBody>
+          <a:bodyPr/>
+          <a:lstStyle/>
+          <a:p>
+            <a:fld id="{E4D7E63D-91F2-4366-A2C4-1B00C9E2590E}" type="slidenum">
+              <a:rPr lang="zh-TW" altLang="en-US" smtClean="0"/>
+              <a:pPr/>
+              <a:t>17</a:t>
+            </a:fld>
+            <a:endParaRPr lang="zh-TW" altLang="en-US"/>
+          </a:p>
+        </p:txBody>
+      </p:sp>
+      <p:pic>
+        <p:nvPicPr>
+          <p:cNvPr id="8" name="Picture 7">
+            <a:extLst>
+              <a:ext uri="{FF2B5EF4-FFF2-40B4-BE49-F238E27FC236}">
+                <a16:creationId xmlns:a16="http://schemas.microsoft.com/office/drawing/2014/main" id="{3D693F34-B891-595A-2417-28F8262C315B}"/>
+              </a:ext>
+            </a:extLst>
+          </p:cNvPr>
+          <p:cNvPicPr>
+            <a:picLocks noChangeAspect="1"/>
+          </p:cNvPicPr>
+          <p:nvPr/>
+        </p:nvPicPr>
+        <p:blipFill>
+          <a:blip r:embed="rId2"/>
+          <a:stretch>
+            <a:fillRect/>
+          </a:stretch>
+        </p:blipFill>
+        <p:spPr>
+          <a:xfrm>
+            <a:off x="2652736" y="3836070"/>
+            <a:ext cx="4029075" cy="1743075"/>
+          </a:xfrm>
+          <a:prstGeom prst="rect">
+            <a:avLst/>
+          </a:prstGeom>
+          <a:ln>
+            <a:solidFill>
+              <a:srgbClr val="C00000"/>
+            </a:solidFill>
+          </a:ln>
+        </p:spPr>
+      </p:pic>
+    </p:spTree>
+    <p:extLst>
+      <p:ext uri="{BB962C8B-B14F-4D97-AF65-F5344CB8AC3E}">
+        <p14:creationId xmlns:p14="http://schemas.microsoft.com/office/powerpoint/2010/main" val="2371975813"/>
+      </p:ext>
+    </p:extLst>
+  </p:cSld>
+  <p:clrMapOvr>
+    <a:masterClrMapping/>
+  </p:clrMapOvr>
+</p:sld>
+</file>
+
+<file path=ppt/slides/slide18.xml><?xml version="1.0" encoding="utf-8"?>
+<p:sld xmlns:a="http://schemas.openxmlformats.org/drawingml/2006/main" xmlns:r="http://schemas.openxmlformats.org/officeDocument/2006/relationships" xmlns:p="http://schemas.openxmlformats.org/presentationml/2006/main">
+  <p:cSld>
+    <p:spTree>
+      <p:nvGrpSpPr>
+        <p:cNvPr id="1" name=""/>
+        <p:cNvGrpSpPr/>
+        <p:nvPr/>
+      </p:nvGrpSpPr>
+      <p:grpSpPr>
+        <a:xfrm>
+          <a:off x="0" y="0"/>
+          <a:ext cx="0" cy="0"/>
+          <a:chOff x="0" y="0"/>
+          <a:chExt cx="0" cy="0"/>
+        </a:xfrm>
+      </p:grpSpPr>
+      <p:sp>
+        <p:nvSpPr>
+          <p:cNvPr id="2" name="標題 1"/>
+          <p:cNvSpPr>
+            <a:spLocks noGrp="1"/>
+          </p:cNvSpPr>
+          <p:nvPr>
+            <p:ph type="ctrTitle"/>
+          </p:nvPr>
+        </p:nvSpPr>
+        <p:spPr>
+          <a:xfrm>
+            <a:off x="0" y="2130425"/>
+            <a:ext cx="9144000" cy="1470025"/>
+          </a:xfrm>
+          <a:gradFill flip="none" rotWithShape="1">
+            <a:gsLst>
+              <a:gs pos="0">
+                <a:srgbClr val="00B0F0">
+                  <a:shade val="30000"/>
+                  <a:satMod val="115000"/>
+                </a:srgbClr>
+              </a:gs>
+              <a:gs pos="50000">
+                <a:srgbClr val="00B0F0">
+                  <a:shade val="67500"/>
+                  <a:satMod val="115000"/>
+                </a:srgbClr>
+              </a:gs>
+              <a:gs pos="100000">
+                <a:srgbClr val="00B0F0">
+                  <a:shade val="100000"/>
+                  <a:satMod val="115000"/>
+                </a:srgbClr>
+              </a:gs>
+            </a:gsLst>
+            <a:path path="circle">
+              <a:fillToRect t="100000" r="100000"/>
+            </a:path>
+            <a:tileRect l="-100000" b="-100000"/>
+          </a:gradFill>
+        </p:spPr>
+        <p:txBody>
+          <a:bodyPr>
+            <a:normAutofit/>
+          </a:bodyPr>
+          <a:lstStyle/>
+          <a:p>
+            <a:r>
+              <a:rPr lang="en-US" altLang="zh-TW" sz="6000" b="1" dirty="0">
+                <a:solidFill>
+                  <a:srgbClr val="FFFF00"/>
+                </a:solidFill>
+              </a:rPr>
+              <a:t>End</a:t>
+            </a:r>
+            <a:endParaRPr lang="zh-TW" altLang="en-US" sz="6000" b="1" dirty="0">
+              <a:solidFill>
+                <a:srgbClr val="FFFF00"/>
+              </a:solidFill>
+            </a:endParaRPr>
+          </a:p>
+        </p:txBody>
+      </p:sp>
+      <p:sp>
+        <p:nvSpPr>
+          <p:cNvPr id="5" name="日期版面配置區 4"/>
+          <p:cNvSpPr>
+            <a:spLocks noGrp="1"/>
+          </p:cNvSpPr>
+          <p:nvPr>
+            <p:ph type="dt" sz="half" idx="10"/>
+          </p:nvPr>
+        </p:nvSpPr>
+        <p:spPr/>
+        <p:txBody>
+          <a:bodyPr/>
+          <a:lstStyle/>
+          <a:p>
+            <a:fld id="{4E46BE27-E923-4EC2-B046-3272AE2A3E5C}" type="datetime1">
+              <a:rPr lang="zh-TW" altLang="en-US" smtClean="0"/>
+              <a:pPr/>
+              <a:t>2022/11/1</a:t>
+            </a:fld>
+            <a:endParaRPr lang="zh-TW" altLang="en-US"/>
+          </a:p>
+        </p:txBody>
+      </p:sp>
+      <p:sp>
+        <p:nvSpPr>
+          <p:cNvPr id="6" name="投影片編號版面配置區 5"/>
+          <p:cNvSpPr>
+            <a:spLocks noGrp="1"/>
+          </p:cNvSpPr>
+          <p:nvPr>
+            <p:ph type="sldNum" sz="quarter" idx="12"/>
+          </p:nvPr>
+        </p:nvSpPr>
+        <p:spPr/>
+        <p:txBody>
+          <a:bodyPr/>
+          <a:lstStyle/>
+          <a:p>
+            <a:fld id="{E4D7E63D-91F2-4366-A2C4-1B00C9E2590E}" type="slidenum">
+              <a:rPr lang="zh-TW" altLang="en-US" smtClean="0"/>
+              <a:pPr/>
+              <a:t>18</a:t>
+            </a:fld>
+            <a:endParaRPr lang="zh-TW" altLang="en-US"/>
+          </a:p>
+        </p:txBody>
+      </p:sp>
+    </p:spTree>
+  </p:cSld>
+  <p:clrMapOvr>
+    <a:masterClrMapping/>
+  </p:clrMapOvr>
+</p:sld>
+</file>
+
+<file path=ppt/slides/slide2.xml><?xml version="1.0" encoding="utf-8"?>
+<p:sld xmlns:a="http://schemas.openxmlformats.org/drawingml/2006/main" xmlns:r="http://schemas.openxmlformats.org/officeDocument/2006/relationships" xmlns:p="http://schemas.openxmlformats.org/presentationml/2006/main">
+  <p:cSld>
+    <p:spTree>
+      <p:nvGrpSpPr>
+        <p:cNvPr id="1" name=""/>
+        <p:cNvGrpSpPr/>
+        <p:nvPr/>
+      </p:nvGrpSpPr>
+      <p:grpSpPr>
+        <a:xfrm>
+          <a:off x="0" y="0"/>
+          <a:ext cx="0" cy="0"/>
+          <a:chOff x="0" y="0"/>
+          <a:chExt cx="0" cy="0"/>
+        </a:xfrm>
+      </p:grpSpPr>
+      <p:sp>
+        <p:nvSpPr>
+          <p:cNvPr id="2" name="標題 1"/>
+          <p:cNvSpPr>
+            <a:spLocks noGrp="1"/>
+          </p:cNvSpPr>
+          <p:nvPr>
+            <p:ph type="ctrTitle"/>
+          </p:nvPr>
+        </p:nvSpPr>
+        <p:spPr>
+          <a:xfrm>
+            <a:off x="0" y="1"/>
+            <a:ext cx="9144000" cy="764704"/>
+          </a:xfrm>
+          <a:gradFill flip="none" rotWithShape="1">
+            <a:gsLst>
+              <a:gs pos="0">
+                <a:srgbClr val="C00000">
+                  <a:shade val="30000"/>
+                  <a:satMod val="115000"/>
+                </a:srgbClr>
+              </a:gs>
+              <a:gs pos="50000">
+                <a:srgbClr val="C00000">
+                  <a:shade val="67500"/>
+                  <a:satMod val="115000"/>
+                </a:srgbClr>
+              </a:gs>
+              <a:gs pos="100000">
+                <a:srgbClr val="C00000">
+                  <a:shade val="100000"/>
+                  <a:satMod val="115000"/>
+                </a:srgbClr>
+              </a:gs>
+            </a:gsLst>
+            <a:path path="circle">
+              <a:fillToRect t="100000" r="100000"/>
+            </a:path>
+            <a:tileRect l="-100000" b="-100000"/>
+          </a:gradFill>
+        </p:spPr>
+        <p:txBody>
+          <a:bodyPr>
+            <a:normAutofit/>
+          </a:bodyPr>
+          <a:lstStyle/>
+          <a:p>
+            <a:pPr algn="l"/>
+            <a:r>
+              <a:rPr lang="en-US" altLang="zh-TW" sz="4000" b="1" dirty="0">
+                <a:solidFill>
+                  <a:srgbClr val="FFFF00"/>
+                </a:solidFill>
+              </a:rPr>
+              <a:t>508 Sync Widgets and Layout</a:t>
+            </a:r>
+            <a:endParaRPr lang="zh-TW" altLang="en-US" sz="4000" b="1" dirty="0">
+              <a:solidFill>
+                <a:srgbClr val="FFFF00"/>
+              </a:solidFill>
+            </a:endParaRPr>
+          </a:p>
+        </p:txBody>
+      </p:sp>
+      <p:sp>
+        <p:nvSpPr>
+          <p:cNvPr id="3" name="副標題 2"/>
+          <p:cNvSpPr>
+            <a:spLocks noGrp="1"/>
+          </p:cNvSpPr>
+          <p:nvPr>
+            <p:ph type="subTitle" idx="1"/>
+          </p:nvPr>
+        </p:nvSpPr>
+        <p:spPr>
+          <a:xfrm>
+            <a:off x="467543" y="1268757"/>
+            <a:ext cx="8241831" cy="1368155"/>
+          </a:xfrm>
+          <a:ln>
+            <a:solidFill>
+              <a:srgbClr val="C00000"/>
+            </a:solidFill>
+          </a:ln>
+        </p:spPr>
+        <p:txBody>
+          <a:bodyPr>
+            <a:noAutofit/>
+          </a:bodyPr>
+          <a:lstStyle/>
+          <a:p>
+            <a:pPr marL="342900" indent="-342900" algn="l">
+              <a:buClr>
+                <a:srgbClr val="0070C0"/>
+              </a:buClr>
+              <a:buSzPct val="80000"/>
+              <a:buFont typeface="Wingdings" pitchFamily="2" charset="2"/>
+              <a:buChar char="u"/>
+            </a:pPr>
+            <a:r>
+              <a:rPr lang="en-US" sz="1800" b="1" dirty="0">
+                <a:solidFill>
+                  <a:schemeClr val="tx1"/>
+                </a:solidFill>
+              </a:rPr>
+              <a:t>Sync Widgets and Layout</a:t>
+            </a:r>
+          </a:p>
+          <a:p>
+            <a:pPr marL="342900" indent="-342900" algn="l">
+              <a:buClr>
+                <a:srgbClr val="0070C0"/>
+              </a:buClr>
+              <a:buSzPct val="80000"/>
+              <a:buFont typeface="Wingdings" pitchFamily="2" charset="2"/>
+              <a:buChar char="u"/>
+            </a:pPr>
+            <a:r>
+              <a:rPr lang="en-US" sz="1800" dirty="0">
+                <a:solidFill>
+                  <a:schemeClr val="tx1"/>
+                </a:solidFill>
+              </a:rPr>
+              <a:t>We discuss the sync of Widgets and Layout.</a:t>
+            </a:r>
+          </a:p>
+          <a:p>
+            <a:pPr marL="342900" indent="-342900" algn="l">
+              <a:buClr>
+                <a:srgbClr val="0070C0"/>
+              </a:buClr>
+              <a:buSzPct val="80000"/>
+              <a:buFont typeface="Wingdings" pitchFamily="2" charset="2"/>
+              <a:buChar char="u"/>
+            </a:pPr>
+            <a:r>
+              <a:rPr lang="en-US" sz="1800" dirty="0">
+                <a:solidFill>
+                  <a:schemeClr val="tx1"/>
+                </a:solidFill>
+              </a:rPr>
+              <a:t>We create 08_Sync_Widgets_Layout project as below.</a:t>
+            </a:r>
+          </a:p>
+          <a:p>
+            <a:pPr marL="342900" indent="-342900" algn="l">
+              <a:buClr>
+                <a:srgbClr val="0070C0"/>
+              </a:buClr>
+              <a:buSzPct val="80000"/>
+              <a:buFont typeface="Wingdings" pitchFamily="2" charset="2"/>
+              <a:buChar char="u"/>
+            </a:pPr>
+            <a:r>
+              <a:rPr lang="en-US" sz="1800" dirty="0">
+                <a:solidFill>
+                  <a:schemeClr val="tx1"/>
+                </a:solidFill>
+              </a:rPr>
+              <a:t>We copy the code from main.cpp from 07_Spinner_Slider project as below.</a:t>
+            </a:r>
+          </a:p>
+        </p:txBody>
+      </p:sp>
+      <p:sp>
+        <p:nvSpPr>
+          <p:cNvPr id="4" name="標題 1"/>
+          <p:cNvSpPr txBox="1">
+            <a:spLocks/>
+          </p:cNvSpPr>
+          <p:nvPr/>
+        </p:nvSpPr>
+        <p:spPr>
+          <a:xfrm>
+            <a:off x="0" y="764704"/>
+            <a:ext cx="9144000" cy="360040"/>
+          </a:xfrm>
+          <a:prstGeom prst="rect">
+            <a:avLst/>
+          </a:prstGeom>
+          <a:gradFill flip="none" rotWithShape="1">
+            <a:gsLst>
+              <a:gs pos="0">
+                <a:srgbClr val="00B0F0">
+                  <a:shade val="30000"/>
+                  <a:satMod val="115000"/>
+                </a:srgbClr>
+              </a:gs>
+              <a:gs pos="50000">
+                <a:srgbClr val="00B0F0">
+                  <a:shade val="67500"/>
+                  <a:satMod val="115000"/>
+                </a:srgbClr>
+              </a:gs>
+              <a:gs pos="100000">
+                <a:srgbClr val="00B0F0">
+                  <a:shade val="100000"/>
+                  <a:satMod val="115000"/>
+                </a:srgbClr>
+              </a:gs>
+            </a:gsLst>
+            <a:path path="circle">
+              <a:fillToRect t="100000" r="100000"/>
+            </a:path>
+            <a:tileRect l="-100000" b="-100000"/>
+          </a:gradFill>
+        </p:spPr>
+        <p:txBody>
+          <a:bodyPr vert="horz" lIns="91440" tIns="45720" rIns="91440" bIns="45720" rtlCol="0" anchor="ctr">
+            <a:normAutofit/>
+          </a:bodyPr>
+          <a:lstStyle/>
+          <a:p>
+            <a:pPr lvl="0">
+              <a:spcBef>
+                <a:spcPct val="0"/>
+              </a:spcBef>
+            </a:pPr>
+            <a:r>
+              <a:rPr lang="en-US" sz="1600" dirty="0"/>
+              <a:t>https://www.youtube.com/watch?v=7ZuSs27tQPA&amp;list=PLD0D54219E5F2544D&amp;index=8</a:t>
+            </a:r>
+            <a:endParaRPr kumimoji="0" lang="zh-TW" altLang="en-US" sz="1600" b="0" i="0" u="none" strike="noStrike" kern="1200" cap="none" spc="0" normalizeH="0" baseline="0" noProof="0" dirty="0">
+              <a:ln>
+                <a:noFill/>
+              </a:ln>
+              <a:solidFill>
+                <a:schemeClr val="tx1"/>
+              </a:solidFill>
+              <a:effectLst/>
+              <a:uLnTx/>
+              <a:uFillTx/>
+              <a:latin typeface="+mj-lt"/>
+              <a:ea typeface="+mj-ea"/>
+              <a:cs typeface="+mj-cs"/>
+            </a:endParaRPr>
+          </a:p>
+        </p:txBody>
+      </p:sp>
+      <p:sp>
+        <p:nvSpPr>
+          <p:cNvPr id="5" name="日期版面配置區 4"/>
+          <p:cNvSpPr>
+            <a:spLocks noGrp="1"/>
+          </p:cNvSpPr>
+          <p:nvPr>
+            <p:ph type="dt" sz="half" idx="10"/>
+          </p:nvPr>
+        </p:nvSpPr>
+        <p:spPr/>
+        <p:txBody>
+          <a:bodyPr/>
+          <a:lstStyle/>
+          <a:p>
+            <a:fld id="{A4F910E6-8D00-4BAF-8C48-9688E0B449D3}" type="datetime1">
+              <a:rPr lang="zh-TW" altLang="en-US" smtClean="0"/>
+              <a:pPr/>
+              <a:t>2022/11/1</a:t>
+            </a:fld>
+            <a:endParaRPr lang="zh-TW" altLang="en-US"/>
+          </a:p>
+        </p:txBody>
+      </p:sp>
+      <p:sp>
+        <p:nvSpPr>
+          <p:cNvPr id="6" name="投影片編號版面配置區 5"/>
+          <p:cNvSpPr>
+            <a:spLocks noGrp="1"/>
+          </p:cNvSpPr>
+          <p:nvPr>
+            <p:ph type="sldNum" sz="quarter" idx="12"/>
+          </p:nvPr>
+        </p:nvSpPr>
+        <p:spPr/>
+        <p:txBody>
+          <a:bodyPr/>
+          <a:lstStyle/>
+          <a:p>
+            <a:fld id="{E4D7E63D-91F2-4366-A2C4-1B00C9E2590E}" type="slidenum">
+              <a:rPr lang="zh-TW" altLang="en-US" smtClean="0"/>
+              <a:pPr/>
+              <a:t>2</a:t>
+            </a:fld>
+            <a:endParaRPr lang="zh-TW" altLang="en-US"/>
+          </a:p>
+        </p:txBody>
+      </p:sp>
+      <p:pic>
+        <p:nvPicPr>
+          <p:cNvPr id="11" name="Picture 10">
+            <a:extLst>
+              <a:ext uri="{FF2B5EF4-FFF2-40B4-BE49-F238E27FC236}">
+                <a16:creationId xmlns:a16="http://schemas.microsoft.com/office/drawing/2014/main" id="{E2954C54-EE7D-4C0C-B7B2-E7AC7270A6D8}"/>
+              </a:ext>
+            </a:extLst>
+          </p:cNvPr>
+          <p:cNvPicPr>
+            <a:picLocks noChangeAspect="1"/>
+          </p:cNvPicPr>
+          <p:nvPr/>
+        </p:nvPicPr>
+        <p:blipFill>
+          <a:blip r:embed="rId2"/>
+          <a:stretch>
+            <a:fillRect/>
+          </a:stretch>
+        </p:blipFill>
+        <p:spPr>
+          <a:xfrm>
+            <a:off x="700672" y="2780925"/>
+            <a:ext cx="8008702" cy="3456387"/>
+          </a:xfrm>
+          <a:prstGeom prst="rect">
+            <a:avLst/>
+          </a:prstGeom>
+          <a:ln>
+            <a:solidFill>
+              <a:srgbClr val="C00000"/>
+            </a:solidFill>
+          </a:ln>
+        </p:spPr>
+      </p:pic>
+      <p:sp>
+        <p:nvSpPr>
+          <p:cNvPr id="12" name="Rectangle 11">
+            <a:extLst>
+              <a:ext uri="{FF2B5EF4-FFF2-40B4-BE49-F238E27FC236}">
+                <a16:creationId xmlns:a16="http://schemas.microsoft.com/office/drawing/2014/main" id="{2E37FA75-C3EB-F47C-AB7A-F00499BF495F}"/>
+              </a:ext>
+            </a:extLst>
+          </p:cNvPr>
+          <p:cNvSpPr/>
+          <p:nvPr/>
+        </p:nvSpPr>
+        <p:spPr>
+          <a:xfrm>
+            <a:off x="3059832" y="3068960"/>
+            <a:ext cx="5544616" cy="2520283"/>
+          </a:xfrm>
+          <a:prstGeom prst="rect">
+            <a:avLst/>
+          </a:prstGeom>
+          <a:noFill/>
+          <a:ln>
+            <a:solidFill>
+              <a:srgbClr val="C00000"/>
+            </a:solidFill>
+          </a:ln>
+        </p:spPr>
+        <p:style>
+          <a:lnRef idx="2">
+            <a:schemeClr val="accent1">
+              <a:shade val="50000"/>
+            </a:schemeClr>
+          </a:lnRef>
+          <a:fillRef idx="1">
+            <a:schemeClr val="accent1"/>
+          </a:fillRef>
+          <a:effectRef idx="0">
+            <a:schemeClr val="accent1"/>
+          </a:effectRef>
+          <a:fontRef idx="minor">
+            <a:schemeClr val="lt1"/>
+          </a:fontRef>
+        </p:style>
+        <p:txBody>
+          <a:bodyPr rtlCol="0" anchor="ctr"/>
+          <a:lstStyle/>
+          <a:p>
+            <a:pPr algn="ctr"/>
+            <a:endParaRPr lang="en-US"/>
+          </a:p>
+        </p:txBody>
+      </p:sp>
     </p:spTree>
     <p:extLst>
       <p:ext uri="{BB962C8B-B14F-4D97-AF65-F5344CB8AC3E}">
@@ -4179,7 +6708,7 @@
                   <a:srgbClr val="FFFF00"/>
                 </a:solidFill>
               </a:rPr>
-              <a:t>507.1 Container, Spin Box, and Slider</a:t>
+              <a:t>508.1 Connect Spinner to Slider</a:t>
             </a:r>
             <a:endParaRPr lang="zh-TW" altLang="en-US" sz="4000" b="1" dirty="0">
               <a:solidFill>
@@ -4314,6 +6843,41 @@
           <a:chExt cx="0" cy="0"/>
         </a:xfrm>
       </p:grpSpPr>
+      <p:pic>
+        <p:nvPicPr>
+          <p:cNvPr id="12" name="Picture 11">
+            <a:extLst>
+              <a:ext uri="{FF2B5EF4-FFF2-40B4-BE49-F238E27FC236}">
+                <a16:creationId xmlns:a16="http://schemas.microsoft.com/office/drawing/2014/main" id="{5F897E45-8C71-4656-ACB6-37DA65DF5F6B}"/>
+              </a:ext>
+            </a:extLst>
+          </p:cNvPr>
+          <p:cNvPicPr>
+            <a:picLocks noChangeAspect="1"/>
+          </p:cNvPicPr>
+          <p:nvPr/>
+        </p:nvPicPr>
+        <p:blipFill>
+          <a:blip r:embed="rId2"/>
+          <a:stretch>
+            <a:fillRect/>
+          </a:stretch>
+        </p:blipFill>
+        <p:spPr>
+          <a:xfrm>
+            <a:off x="1793226" y="3408556"/>
+            <a:ext cx="5800725" cy="3298609"/>
+          </a:xfrm>
+          <a:prstGeom prst="rect">
+            <a:avLst/>
+          </a:prstGeom>
+          <a:ln>
+            <a:solidFill>
+              <a:srgbClr val="C00000"/>
+            </a:solidFill>
+          </a:ln>
+        </p:spPr>
+      </p:pic>
       <p:sp>
         <p:nvSpPr>
           <p:cNvPr id="2" name="標題 1"/>
@@ -4369,7 +6933,7 @@
                   <a:srgbClr val="FFFF00"/>
                 </a:solidFill>
               </a:rPr>
-              <a:t>507.1 Container, Spin Box, and Slider</a:t>
+              <a:t>508.1 Connect Spinner to Slider</a:t>
             </a:r>
             <a:endParaRPr lang="zh-TW" altLang="en-US" sz="4000" b="1" dirty="0">
               <a:solidFill>
@@ -4392,7 +6956,7 @@
         <p:spPr>
           <a:xfrm>
             <a:off x="438024" y="1250427"/>
-            <a:ext cx="7806383" cy="1673873"/>
+            <a:ext cx="7806383" cy="1989875"/>
           </a:xfrm>
           <a:ln>
             <a:solidFill>
@@ -4420,7 +6984,7 @@
                   <a:schemeClr val="tx1"/>
                 </a:solidFill>
               </a:rPr>
-              <a:t>Include Container, Spin Box, and Slider Widgets</a:t>
+              <a:t>Connect Spinner to Slider</a:t>
             </a:r>
           </a:p>
           <a:p>
@@ -4438,7 +7002,7 @@
                   <a:schemeClr val="tx1"/>
                 </a:solidFill>
               </a:rPr>
-              <a:t>1. First, we include the QHBoxLayout. </a:t>
+              <a:t>We already used connect() function to connect Signal and Slot.</a:t>
             </a:r>
           </a:p>
           <a:p>
@@ -4456,7 +7020,61 @@
                   <a:schemeClr val="tx1"/>
                 </a:solidFill>
               </a:rPr>
-              <a:t>Any time we want to layout the widget on GUI. A layout helps you to determine the size and position of the widgets.</a:t>
+              <a:t>1. We put the spinner object pointer in the first parameter, </a:t>
+            </a:r>
+          </a:p>
+          <a:p>
+            <a:pPr marL="342900" indent="-342900" algn="l">
+              <a:buClr>
+                <a:srgbClr val="0070C0"/>
+              </a:buClr>
+              <a:buSzPct val="80000"/>
+              <a:buFont typeface="Wingdings" pitchFamily="2" charset="2"/>
+              <a:buChar char="u"/>
+            </a:pPr>
+            <a:r>
+              <a:rPr lang="en-US" sz="1800" dirty="0">
+                <a:solidFill>
+                  <a:schemeClr val="tx1"/>
+                </a:solidFill>
+              </a:rPr>
+              <a:t>2. We get the value changed signal in spinner by SIGNAL(valueChanged()),</a:t>
+            </a:r>
+          </a:p>
+          <a:p>
+            <a:pPr marL="342900" indent="-342900" algn="l">
+              <a:buClr>
+                <a:srgbClr val="0070C0"/>
+              </a:buClr>
+              <a:buSzPct val="80000"/>
+              <a:buFont typeface="Wingdings" pitchFamily="2" charset="2"/>
+              <a:buChar char="u"/>
+            </a:pPr>
+            <a:r>
+              <a:rPr lang="en-US" sz="1800" dirty="0">
+                <a:solidFill>
+                  <a:schemeClr val="tx1"/>
+                </a:solidFill>
+              </a:rPr>
+              <a:t>3. We have the slider object pointer in the third parameter.</a:t>
+            </a:r>
+          </a:p>
+          <a:p>
+            <a:pPr marL="342900" indent="-342900" algn="l">
+              <a:buClr>
+                <a:srgbClr val="0070C0"/>
+              </a:buClr>
+              <a:buSzPct val="80000"/>
+              <a:buFont typeface="Wingdings" pitchFamily="2" charset="2"/>
+              <a:buChar char="u"/>
+            </a:pPr>
+            <a:r>
+              <a:rPr lang="en-US" sz="1800" dirty="0">
+                <a:solidFill>
+                  <a:schemeClr val="tx1"/>
+                </a:solidFill>
+              </a:rPr>
+              <a:t>4. We then set the value of the slider with the SLOT(setValue(int)). </a:t>
             </a:r>
           </a:p>
         </p:txBody>
@@ -4517,7 +7135,7 @@
             </a:pPr>
             <a:r>
               <a:rPr lang="en-US" sz="1600" dirty="0"/>
-              <a:t>https://www.youtube.com/watch?v=kg98E06wm1I&amp;list=PLD0D54219E5F2544D&amp;index=7</a:t>
+              <a:t>https://www.youtube.com/watch?v=7ZuSs27tQPA&amp;list=PLD0D54219E5F2544D&amp;index=8</a:t>
             </a:r>
             <a:endParaRPr kumimoji="0" lang="zh-TW" altLang="en-US" sz="1600" b="0" i="0" u="none" strike="noStrike" kern="1200" cap="none" spc="0" normalizeH="0" baseline="0" noProof="0" dirty="0">
               <a:ln>
@@ -4554,7 +7172,7 @@
             <a:fld id="{A4F910E6-8D00-4BAF-8C48-9688E0B449D3}" type="datetime1">
               <a:rPr lang="zh-TW" altLang="en-US" smtClean="0"/>
               <a:pPr/>
-              <a:t>2022/10/31</a:t>
+              <a:t>2022/11/1</a:t>
             </a:fld>
             <a:endParaRPr lang="zh-TW" altLang="en-US"/>
           </a:p>
@@ -4584,41 +7202,58 @@
           </a:p>
         </p:txBody>
       </p:sp>
-      <p:pic>
-        <p:nvPicPr>
-          <p:cNvPr id="11" name="Picture 10">
+      <p:sp>
+        <p:nvSpPr>
+          <p:cNvPr id="9" name="Rectangle 8">
             <a:extLst>
               <a:ext uri="{FF2B5EF4-FFF2-40B4-BE49-F238E27FC236}">
-                <a16:creationId xmlns:a16="http://schemas.microsoft.com/office/drawing/2014/main" id="{429848B1-ACD8-1A2B-D585-F3004D52AC11}"/>
+                <a16:creationId xmlns:a16="http://schemas.microsoft.com/office/drawing/2014/main" id="{799039C2-9BB2-0521-B2DA-ADF611BD36C7}"/>
               </a:ext>
             </a:extLst>
           </p:cNvPr>
-          <p:cNvPicPr>
-            <a:picLocks noChangeAspect="1"/>
-          </p:cNvPicPr>
+          <p:cNvSpPr/>
           <p:nvPr/>
-        </p:nvPicPr>
-        <p:blipFill>
-          <a:blip r:embed="rId2"/>
-          <a:stretch>
-            <a:fillRect/>
-          </a:stretch>
-        </p:blipFill>
+        </p:nvSpPr>
         <p:spPr>
           <a:xfrm>
-            <a:off x="1107477" y="3191867"/>
-            <a:ext cx="6467475" cy="2009775"/>
+            <a:off x="2526238" y="5790954"/>
+            <a:ext cx="4422026" cy="446358"/>
           </a:xfrm>
           <a:prstGeom prst="rect">
             <a:avLst/>
           </a:prstGeom>
+          <a:noFill/>
           <a:ln>
             <a:solidFill>
               <a:srgbClr val="C00000"/>
             </a:solidFill>
           </a:ln>
         </p:spPr>
-      </p:pic>
+        <p:style>
+          <a:lnRef idx="2">
+            <a:schemeClr val="accent1">
+              <a:shade val="50000"/>
+            </a:schemeClr>
+          </a:lnRef>
+          <a:fillRef idx="1">
+            <a:schemeClr val="accent1"/>
+          </a:fillRef>
+          <a:effectRef idx="0">
+            <a:schemeClr val="accent1"/>
+          </a:effectRef>
+          <a:fontRef idx="minor">
+            <a:schemeClr val="lt1"/>
+          </a:fontRef>
+        </p:style>
+        <p:txBody>
+          <a:bodyPr rtlCol="0" anchor="ctr"/>
+          <a:lstStyle/>
+          <a:p>
+            <a:pPr algn="ctr"/>
+            <a:endParaRPr lang="en-US"/>
+          </a:p>
+        </p:txBody>
+      </p:sp>
     </p:spTree>
     <p:extLst>
       <p:ext uri="{BB962C8B-B14F-4D97-AF65-F5344CB8AC3E}">
@@ -4649,6 +7284,41 @@
           <a:chExt cx="0" cy="0"/>
         </a:xfrm>
       </p:grpSpPr>
+      <p:pic>
+        <p:nvPicPr>
+          <p:cNvPr id="12" name="Picture 11">
+            <a:extLst>
+              <a:ext uri="{FF2B5EF4-FFF2-40B4-BE49-F238E27FC236}">
+                <a16:creationId xmlns:a16="http://schemas.microsoft.com/office/drawing/2014/main" id="{5F897E45-8C71-4656-ACB6-37DA65DF5F6B}"/>
+              </a:ext>
+            </a:extLst>
+          </p:cNvPr>
+          <p:cNvPicPr>
+            <a:picLocks noChangeAspect="1"/>
+          </p:cNvPicPr>
+          <p:nvPr/>
+        </p:nvPicPr>
+        <p:blipFill>
+          <a:blip r:embed="rId2"/>
+          <a:stretch>
+            <a:fillRect/>
+          </a:stretch>
+        </p:blipFill>
+        <p:spPr>
+          <a:xfrm>
+            <a:off x="1793226" y="3408556"/>
+            <a:ext cx="5800725" cy="3298609"/>
+          </a:xfrm>
+          <a:prstGeom prst="rect">
+            <a:avLst/>
+          </a:prstGeom>
+          <a:ln>
+            <a:solidFill>
+              <a:srgbClr val="C00000"/>
+            </a:solidFill>
+          </a:ln>
+        </p:spPr>
+      </p:pic>
       <p:sp>
         <p:nvSpPr>
           <p:cNvPr id="2" name="標題 1"/>
@@ -4704,7 +7374,7 @@
                   <a:srgbClr val="FFFF00"/>
                 </a:solidFill>
               </a:rPr>
-              <a:t>507.1 Container, Spin Box, and Slider</a:t>
+              <a:t>508.1 Connect Spinner to Slider</a:t>
             </a:r>
             <a:endParaRPr lang="zh-TW" altLang="en-US" sz="4000" b="1" dirty="0">
               <a:solidFill>
@@ -4727,7 +7397,7 @@
         <p:spPr>
           <a:xfrm>
             <a:off x="438024" y="1250427"/>
-            <a:ext cx="7806383" cy="1040596"/>
+            <a:ext cx="7806383" cy="2178573"/>
           </a:xfrm>
           <a:ln>
             <a:solidFill>
@@ -4755,7 +7425,7 @@
                   <a:schemeClr val="tx1"/>
                 </a:solidFill>
               </a:rPr>
-              <a:t>Include Container, Spin Box, and Slider Widgets</a:t>
+              <a:t>Connect Spinner to Slider</a:t>
             </a:r>
           </a:p>
           <a:p>
@@ -4773,7 +7443,7 @@
                   <a:schemeClr val="tx1"/>
                 </a:solidFill>
               </a:rPr>
-              <a:t>We also can do the layout in design mode manually as shown below.</a:t>
+              <a:t>The first  parameter is spinner widget to trigger the signal.</a:t>
             </a:r>
           </a:p>
           <a:p>
@@ -4791,7 +7461,61 @@
                   <a:schemeClr val="tx1"/>
                 </a:solidFill>
               </a:rPr>
-              <a:t>In Edit Mode, we click Forms/mainwindow.ui.</a:t>
+              <a:t>The spinner widget is the place waiting for user to do something to.</a:t>
+            </a:r>
+          </a:p>
+          <a:p>
+            <a:pPr marL="342900" indent="-342900" algn="l">
+              <a:buClr>
+                <a:srgbClr val="0070C0"/>
+              </a:buClr>
+              <a:buSzPct val="80000"/>
+              <a:buFont typeface="Wingdings" pitchFamily="2" charset="2"/>
+              <a:buChar char="u"/>
+            </a:pPr>
+            <a:r>
+              <a:rPr lang="en-US" sz="1800" dirty="0">
+                <a:solidFill>
+                  <a:schemeClr val="tx1"/>
+                </a:solidFill>
+              </a:rPr>
+              <a:t>The third parameters is the slider to get the signal and applied to.</a:t>
+            </a:r>
+          </a:p>
+          <a:p>
+            <a:pPr marL="342900" indent="-342900" algn="l">
+              <a:buClr>
+                <a:srgbClr val="0070C0"/>
+              </a:buClr>
+              <a:buSzPct val="80000"/>
+              <a:buFont typeface="Wingdings" pitchFamily="2" charset="2"/>
+              <a:buChar char="u"/>
+            </a:pPr>
+            <a:r>
+              <a:rPr lang="en-US" sz="1800" dirty="0">
+                <a:solidFill>
+                  <a:schemeClr val="tx1"/>
+                </a:solidFill>
+              </a:rPr>
+              <a:t>The slider widget is the place where we want to apply to.</a:t>
+            </a:r>
+          </a:p>
+          <a:p>
+            <a:pPr marL="342900" indent="-342900" algn="l">
+              <a:buClr>
+                <a:srgbClr val="0070C0"/>
+              </a:buClr>
+              <a:buSzPct val="80000"/>
+              <a:buFont typeface="Wingdings" pitchFamily="2" charset="2"/>
+              <a:buChar char="u"/>
+            </a:pPr>
+            <a:r>
+              <a:rPr lang="en-US" sz="1800" dirty="0">
+                <a:solidFill>
+                  <a:schemeClr val="tx1"/>
+                </a:solidFill>
+              </a:rPr>
+              <a:t>Whenever user get the changes from spinner, then we change the slider value.</a:t>
             </a:r>
           </a:p>
         </p:txBody>
@@ -4852,7 +7576,7 @@
             </a:pPr>
             <a:r>
               <a:rPr lang="en-US" sz="1600" dirty="0"/>
-              <a:t>https://www.youtube.com/watch?v=kg98E06wm1I&amp;list=PLD0D54219E5F2544D&amp;index=7</a:t>
+              <a:t>https://www.youtube.com/watch?v=7ZuSs27tQPA&amp;list=PLD0D54219E5F2544D&amp;index=8</a:t>
             </a:r>
             <a:endParaRPr kumimoji="0" lang="zh-TW" altLang="en-US" sz="1600" b="0" i="0" u="none" strike="noStrike" kern="1200" cap="none" spc="0" normalizeH="0" baseline="0" noProof="0" dirty="0">
               <a:ln>
@@ -4919,382 +7643,12 @@
           </a:p>
         </p:txBody>
       </p:sp>
-      <p:pic>
-        <p:nvPicPr>
-          <p:cNvPr id="8" name="Picture 7">
+      <p:sp>
+        <p:nvSpPr>
+          <p:cNvPr id="9" name="Rectangle 8">
             <a:extLst>
               <a:ext uri="{FF2B5EF4-FFF2-40B4-BE49-F238E27FC236}">
-                <a16:creationId xmlns:a16="http://schemas.microsoft.com/office/drawing/2014/main" id="{74284C32-FB00-C35D-BF93-9B043308CCC8}"/>
-              </a:ext>
-            </a:extLst>
-          </p:cNvPr>
-          <p:cNvPicPr>
-            <a:picLocks noChangeAspect="1"/>
-          </p:cNvPicPr>
-          <p:nvPr/>
-        </p:nvPicPr>
-        <p:blipFill>
-          <a:blip r:embed="rId2"/>
-          <a:stretch>
-            <a:fillRect/>
-          </a:stretch>
-        </p:blipFill>
-        <p:spPr>
-          <a:xfrm>
-            <a:off x="1547398" y="2494966"/>
-            <a:ext cx="5713834" cy="4043946"/>
-          </a:xfrm>
-          <a:prstGeom prst="rect">
-            <a:avLst/>
-          </a:prstGeom>
-          <a:ln>
-            <a:solidFill>
-              <a:srgbClr val="C00000"/>
-            </a:solidFill>
-          </a:ln>
-        </p:spPr>
-      </p:pic>
-    </p:spTree>
-    <p:extLst>
-      <p:ext uri="{BB962C8B-B14F-4D97-AF65-F5344CB8AC3E}">
-        <p14:creationId xmlns:p14="http://schemas.microsoft.com/office/powerpoint/2010/main" val="799731549"/>
-      </p:ext>
-    </p:extLst>
-  </p:cSld>
-  <p:clrMapOvr>
-    <a:masterClrMapping/>
-  </p:clrMapOvr>
-</p:sld>
-</file>
-
-<file path=ppt/slides/slide6.xml><?xml version="1.0" encoding="utf-8"?>
-<p:sld xmlns:a="http://schemas.openxmlformats.org/drawingml/2006/main" xmlns:r="http://schemas.openxmlformats.org/officeDocument/2006/relationships" xmlns:p="http://schemas.openxmlformats.org/presentationml/2006/main">
-  <p:cSld>
-    <p:spTree>
-      <p:nvGrpSpPr>
-        <p:cNvPr id="1" name=""/>
-        <p:cNvGrpSpPr/>
-        <p:nvPr/>
-      </p:nvGrpSpPr>
-      <p:grpSpPr>
-        <a:xfrm>
-          <a:off x="0" y="0"/>
-          <a:ext cx="0" cy="0"/>
-          <a:chOff x="0" y="0"/>
-          <a:chExt cx="0" cy="0"/>
-        </a:xfrm>
-      </p:grpSpPr>
-      <p:sp>
-        <p:nvSpPr>
-          <p:cNvPr id="2" name="標題 1"/>
-          <p:cNvSpPr>
-            <a:spLocks noGrp="1"/>
-          </p:cNvSpPr>
-          <p:nvPr>
-            <p:ph type="ctrTitle"/>
-          </p:nvPr>
-        </p:nvSpPr>
-        <p:spPr>
-          <a:xfrm>
-            <a:off x="0" y="1"/>
-            <a:ext cx="9144000" cy="764704"/>
-          </a:xfrm>
-          <a:gradFill flip="none" rotWithShape="1">
-            <a:gsLst>
-              <a:gs pos="0">
-                <a:srgbClr val="C00000">
-                  <a:shade val="30000"/>
-                  <a:satMod val="115000"/>
-                </a:srgbClr>
-              </a:gs>
-              <a:gs pos="50000">
-                <a:srgbClr val="C00000">
-                  <a:shade val="67500"/>
-                  <a:satMod val="115000"/>
-                </a:srgbClr>
-              </a:gs>
-              <a:gs pos="100000">
-                <a:srgbClr val="C00000">
-                  <a:shade val="100000"/>
-                  <a:satMod val="115000"/>
-                </a:srgbClr>
-              </a:gs>
-            </a:gsLst>
-            <a:path path="circle">
-              <a:fillToRect t="100000" r="100000"/>
-            </a:path>
-            <a:tileRect l="-100000" b="-100000"/>
-          </a:gradFill>
-        </p:spPr>
-        <p:txBody>
-          <a:bodyPr>
-            <a:normAutofit/>
-          </a:bodyPr>
-          <a:lstStyle/>
-          <a:p>
-            <a:pPr algn="l"/>
-            <a:r>
-              <a:rPr lang="en-US" altLang="zh-TW" sz="4000" b="1" dirty="0">
-                <a:solidFill>
-                  <a:srgbClr val="FFFF00"/>
-                </a:solidFill>
-              </a:rPr>
-              <a:t>507.1 Container, Spin Box, and Slider</a:t>
-            </a:r>
-            <a:endParaRPr lang="zh-TW" altLang="en-US" sz="4000" b="1" dirty="0">
-              <a:solidFill>
-                <a:srgbClr val="FFFF00"/>
-              </a:solidFill>
-            </a:endParaRPr>
-          </a:p>
-        </p:txBody>
-      </p:sp>
-      <p:sp>
-        <p:nvSpPr>
-          <p:cNvPr id="3" name="副標題 2"/>
-          <p:cNvSpPr>
-            <a:spLocks noGrp="1"/>
-          </p:cNvSpPr>
-          <p:nvPr>
-            <p:ph type="subTitle" idx="1"/>
-          </p:nvPr>
-        </p:nvSpPr>
-        <p:spPr>
-          <a:xfrm>
-            <a:off x="668808" y="1354179"/>
-            <a:ext cx="7806383" cy="1354742"/>
-          </a:xfrm>
-          <a:ln>
-            <a:solidFill>
-              <a:srgbClr val="C00000"/>
-            </a:solidFill>
-          </a:ln>
-        </p:spPr>
-        <p:txBody>
-          <a:bodyPr>
-            <a:noAutofit/>
-          </a:bodyPr>
-          <a:lstStyle/>
-          <a:p>
-            <a:pPr marL="342900" indent="-342900" algn="l">
-              <a:buClr>
-                <a:srgbClr val="0070C0"/>
-              </a:buClr>
-              <a:buSzPct val="80000"/>
-              <a:buFont typeface="Wingdings" pitchFamily="2" charset="2"/>
-              <a:buChar char="u"/>
-            </a:pPr>
-            <a:r>
-              <a:rPr lang="en-US" sz="1800" b="1" dirty="0">
-                <a:solidFill>
-                  <a:schemeClr val="tx1"/>
-                </a:solidFill>
-              </a:rPr>
-              <a:t>Include Container, Spin Box, and Slider Widgets</a:t>
-            </a:r>
-          </a:p>
-          <a:p>
-            <a:pPr marL="342900" indent="-342900" algn="l">
-              <a:buClr>
-                <a:srgbClr val="0070C0"/>
-              </a:buClr>
-              <a:buSzPct val="80000"/>
-              <a:buFont typeface="Wingdings" pitchFamily="2" charset="2"/>
-              <a:buChar char="u"/>
-            </a:pPr>
-            <a:r>
-              <a:rPr lang="en-US" sz="1800" dirty="0">
-                <a:solidFill>
-                  <a:schemeClr val="tx1"/>
-                </a:solidFill>
-              </a:rPr>
-              <a:t>We will do this in code. It will give us more understanding and more control in our application.</a:t>
-            </a:r>
-          </a:p>
-          <a:p>
-            <a:pPr marL="342900" indent="-342900" algn="l">
-              <a:buClr>
-                <a:srgbClr val="0070C0"/>
-              </a:buClr>
-              <a:buSzPct val="80000"/>
-              <a:buFont typeface="Wingdings" pitchFamily="2" charset="2"/>
-              <a:buChar char="u"/>
-            </a:pPr>
-            <a:r>
-              <a:rPr lang="en-US" sz="1800" dirty="0">
-                <a:solidFill>
-                  <a:schemeClr val="tx1"/>
-                </a:solidFill>
-              </a:rPr>
-              <a:t>We also include QSlider and QSpinBox.</a:t>
-            </a:r>
-          </a:p>
-        </p:txBody>
-      </p:sp>
-      <p:sp>
-        <p:nvSpPr>
-          <p:cNvPr id="4" name="標題 1"/>
-          <p:cNvSpPr txBox="1">
-            <a:spLocks/>
-          </p:cNvSpPr>
-          <p:nvPr/>
-        </p:nvSpPr>
-        <p:spPr>
-          <a:xfrm>
-            <a:off x="0" y="764704"/>
-            <a:ext cx="9144000" cy="360040"/>
-          </a:xfrm>
-          <a:prstGeom prst="rect">
-            <a:avLst/>
-          </a:prstGeom>
-          <a:gradFill flip="none" rotWithShape="1">
-            <a:gsLst>
-              <a:gs pos="0">
-                <a:srgbClr val="00B0F0">
-                  <a:shade val="30000"/>
-                  <a:satMod val="115000"/>
-                </a:srgbClr>
-              </a:gs>
-              <a:gs pos="50000">
-                <a:srgbClr val="00B0F0">
-                  <a:shade val="67500"/>
-                  <a:satMod val="115000"/>
-                </a:srgbClr>
-              </a:gs>
-              <a:gs pos="100000">
-                <a:srgbClr val="00B0F0">
-                  <a:shade val="100000"/>
-                  <a:satMod val="115000"/>
-                </a:srgbClr>
-              </a:gs>
-            </a:gsLst>
-            <a:path path="circle">
-              <a:fillToRect t="100000" r="100000"/>
-            </a:path>
-            <a:tileRect l="-100000" b="-100000"/>
-          </a:gradFill>
-        </p:spPr>
-        <p:txBody>
-          <a:bodyPr vert="horz" lIns="91440" tIns="45720" rIns="91440" bIns="45720" rtlCol="0" anchor="ctr">
-            <a:normAutofit/>
-          </a:bodyPr>
-          <a:lstStyle/>
-          <a:p>
-            <a:pPr lvl="0">
-              <a:spcBef>
-                <a:spcPct val="0"/>
-              </a:spcBef>
-            </a:pPr>
-            <a:r>
-              <a:rPr lang="en-US" sz="1600" dirty="0"/>
-              <a:t>https://www.youtube.com/watch?v=kg98E06wm1I&amp;list=PLD0D54219E5F2544D&amp;index=7</a:t>
-            </a:r>
-            <a:endParaRPr kumimoji="0" lang="zh-TW" altLang="en-US" sz="1600" b="0" i="0" u="none" strike="noStrike" kern="1200" cap="none" spc="0" normalizeH="0" baseline="0" noProof="0" dirty="0">
-              <a:ln>
-                <a:noFill/>
-              </a:ln>
-              <a:solidFill>
-                <a:schemeClr val="tx1"/>
-              </a:solidFill>
-              <a:effectLst/>
-              <a:uLnTx/>
-              <a:uFillTx/>
-              <a:latin typeface="+mj-lt"/>
-              <a:ea typeface="+mj-ea"/>
-              <a:cs typeface="+mj-cs"/>
-            </a:endParaRPr>
-          </a:p>
-        </p:txBody>
-      </p:sp>
-      <p:sp>
-        <p:nvSpPr>
-          <p:cNvPr id="5" name="日期版面配置區 4"/>
-          <p:cNvSpPr>
-            <a:spLocks noGrp="1"/>
-          </p:cNvSpPr>
-          <p:nvPr>
-            <p:ph type="dt" sz="half" idx="10"/>
-          </p:nvPr>
-        </p:nvSpPr>
-        <p:spPr/>
-        <p:txBody>
-          <a:bodyPr/>
-          <a:lstStyle/>
-          <a:p>
-            <a:fld id="{A4F910E6-8D00-4BAF-8C48-9688E0B449D3}" type="datetime1">
-              <a:rPr lang="zh-TW" altLang="en-US" smtClean="0"/>
-              <a:pPr/>
-              <a:t>2022/11/1</a:t>
-            </a:fld>
-            <a:endParaRPr lang="zh-TW" altLang="en-US"/>
-          </a:p>
-        </p:txBody>
-      </p:sp>
-      <p:sp>
-        <p:nvSpPr>
-          <p:cNvPr id="6" name="投影片編號版面配置區 5"/>
-          <p:cNvSpPr>
-            <a:spLocks noGrp="1"/>
-          </p:cNvSpPr>
-          <p:nvPr>
-            <p:ph type="sldNum" sz="quarter" idx="12"/>
-          </p:nvPr>
-        </p:nvSpPr>
-        <p:spPr/>
-        <p:txBody>
-          <a:bodyPr/>
-          <a:lstStyle/>
-          <a:p>
-            <a:fld id="{E4D7E63D-91F2-4366-A2C4-1B00C9E2590E}" type="slidenum">
-              <a:rPr lang="zh-TW" altLang="en-US" smtClean="0"/>
-              <a:pPr/>
-              <a:t>6</a:t>
-            </a:fld>
-            <a:endParaRPr lang="zh-TW" altLang="en-US"/>
-          </a:p>
-        </p:txBody>
-      </p:sp>
-      <p:pic>
-        <p:nvPicPr>
-          <p:cNvPr id="9" name="Picture 8">
-            <a:extLst>
-              <a:ext uri="{FF2B5EF4-FFF2-40B4-BE49-F238E27FC236}">
-                <a16:creationId xmlns:a16="http://schemas.microsoft.com/office/drawing/2014/main" id="{247FC81D-AF65-3D65-1675-5B684F0A6A7C}"/>
-              </a:ext>
-            </a:extLst>
-          </p:cNvPr>
-          <p:cNvPicPr>
-            <a:picLocks noChangeAspect="1"/>
-          </p:cNvPicPr>
-          <p:nvPr/>
-        </p:nvPicPr>
-        <p:blipFill>
-          <a:blip r:embed="rId2"/>
-          <a:stretch>
-            <a:fillRect/>
-          </a:stretch>
-        </p:blipFill>
-        <p:spPr>
-          <a:xfrm>
-            <a:off x="2526650" y="3361103"/>
-            <a:ext cx="3990975" cy="2371725"/>
-          </a:xfrm>
-          <a:prstGeom prst="rect">
-            <a:avLst/>
-          </a:prstGeom>
-          <a:ln>
-            <a:solidFill>
-              <a:srgbClr val="C00000"/>
-            </a:solidFill>
-          </a:ln>
-        </p:spPr>
-      </p:pic>
-      <p:sp>
-        <p:nvSpPr>
-          <p:cNvPr id="12" name="Rectangle 11">
-            <a:extLst>
-              <a:ext uri="{FF2B5EF4-FFF2-40B4-BE49-F238E27FC236}">
-                <a16:creationId xmlns:a16="http://schemas.microsoft.com/office/drawing/2014/main" id="{0CB8B165-25AA-98B0-C89C-AD584C5CCF44}"/>
+                <a16:creationId xmlns:a16="http://schemas.microsoft.com/office/drawing/2014/main" id="{799039C2-9BB2-0521-B2DA-ADF611BD36C7}"/>
               </a:ext>
             </a:extLst>
           </p:cNvPr>
@@ -5303,8 +7657,8 @@
         </p:nvSpPr>
         <p:spPr>
           <a:xfrm>
-            <a:off x="3059832" y="4005064"/>
-            <a:ext cx="2088232" cy="504056"/>
+            <a:off x="2526238" y="5790954"/>
+            <a:ext cx="4422026" cy="446358"/>
           </a:xfrm>
           <a:prstGeom prst="rect">
             <a:avLst/>
@@ -5337,14 +7691,14 @@
           <a:lstStyle/>
           <a:p>
             <a:pPr algn="ctr"/>
-            <a:endParaRPr lang="en-US" dirty="0"/>
+            <a:endParaRPr lang="en-US"/>
           </a:p>
         </p:txBody>
       </p:sp>
     </p:spTree>
     <p:extLst>
       <p:ext uri="{BB962C8B-B14F-4D97-AF65-F5344CB8AC3E}">
-        <p14:creationId xmlns:p14="http://schemas.microsoft.com/office/powerpoint/2010/main" val="4032402923"/>
+        <p14:creationId xmlns:p14="http://schemas.microsoft.com/office/powerpoint/2010/main" val="1499851052"/>
       </p:ext>
     </p:extLst>
   </p:cSld>
@@ -5354,7 +7708,7 @@
 </p:sld>
 </file>
 
-<file path=ppt/slides/slide7.xml><?xml version="1.0" encoding="utf-8"?>
+<file path=ppt/slides/slide6.xml><?xml version="1.0" encoding="utf-8"?>
 <p:sld xmlns:a="http://schemas.openxmlformats.org/drawingml/2006/main" xmlns:r="http://schemas.openxmlformats.org/officeDocument/2006/relationships" xmlns:p="http://schemas.openxmlformats.org/presentationml/2006/main">
   <p:cSld>
     <p:spTree>
@@ -5383,530 +7737,6 @@
         </p:nvSpPr>
         <p:spPr>
           <a:xfrm>
-            <a:off x="0" y="1"/>
-            <a:ext cx="9144000" cy="764704"/>
-          </a:xfrm>
-          <a:gradFill flip="none" rotWithShape="1">
-            <a:gsLst>
-              <a:gs pos="0">
-                <a:srgbClr val="C00000">
-                  <a:shade val="30000"/>
-                  <a:satMod val="115000"/>
-                </a:srgbClr>
-              </a:gs>
-              <a:gs pos="50000">
-                <a:srgbClr val="C00000">
-                  <a:shade val="67500"/>
-                  <a:satMod val="115000"/>
-                </a:srgbClr>
-              </a:gs>
-              <a:gs pos="100000">
-                <a:srgbClr val="C00000">
-                  <a:shade val="100000"/>
-                  <a:satMod val="115000"/>
-                </a:srgbClr>
-              </a:gs>
-            </a:gsLst>
-            <a:path path="circle">
-              <a:fillToRect t="100000" r="100000"/>
-            </a:path>
-            <a:tileRect l="-100000" b="-100000"/>
-          </a:gradFill>
-        </p:spPr>
-        <p:txBody>
-          <a:bodyPr>
-            <a:normAutofit/>
-          </a:bodyPr>
-          <a:lstStyle/>
-          <a:p>
-            <a:pPr algn="l"/>
-            <a:r>
-              <a:rPr lang="en-US" altLang="zh-TW" sz="4000" b="1" dirty="0">
-                <a:solidFill>
-                  <a:srgbClr val="FFFF00"/>
-                </a:solidFill>
-              </a:rPr>
-              <a:t>507.1 Container, Spin Box, and Slider</a:t>
-            </a:r>
-            <a:endParaRPr lang="zh-TW" altLang="en-US" sz="4000" b="1" dirty="0">
-              <a:solidFill>
-                <a:srgbClr val="FFFF00"/>
-              </a:solidFill>
-            </a:endParaRPr>
-          </a:p>
-        </p:txBody>
-      </p:sp>
-      <p:sp>
-        <p:nvSpPr>
-          <p:cNvPr id="3" name="副標題 2"/>
-          <p:cNvSpPr>
-            <a:spLocks noGrp="1"/>
-          </p:cNvSpPr>
-          <p:nvPr>
-            <p:ph type="subTitle" idx="1"/>
-          </p:nvPr>
-        </p:nvSpPr>
-        <p:spPr>
-          <a:xfrm>
-            <a:off x="438024" y="1250425"/>
-            <a:ext cx="8248775" cy="1834435"/>
-          </a:xfrm>
-          <a:ln>
-            <a:solidFill>
-              <a:srgbClr val="C00000"/>
-            </a:solidFill>
-          </a:ln>
-        </p:spPr>
-        <p:txBody>
-          <a:bodyPr>
-            <a:noAutofit/>
-          </a:bodyPr>
-          <a:lstStyle/>
-          <a:p>
-            <a:pPr marL="342900" indent="-342900" algn="l">
-              <a:buClr>
-                <a:srgbClr val="0070C0"/>
-              </a:buClr>
-              <a:buSzPct val="80000"/>
-              <a:buFont typeface="Wingdings" pitchFamily="2" charset="2"/>
-              <a:buChar char="u"/>
-            </a:pPr>
-            <a:r>
-              <a:rPr lang="en-US" sz="1800" b="1" dirty="0">
-                <a:solidFill>
-                  <a:schemeClr val="tx1"/>
-                </a:solidFill>
-              </a:rPr>
-              <a:t>Include Container, Spin Box, and Slider Widgets</a:t>
-            </a:r>
-          </a:p>
-          <a:p>
-            <a:pPr marL="342900" indent="-342900" algn="l">
-              <a:buClr>
-                <a:srgbClr val="0070C0"/>
-              </a:buClr>
-              <a:buSzPct val="80000"/>
-              <a:buFont typeface="Wingdings" pitchFamily="2" charset="2"/>
-              <a:buChar char="u"/>
-            </a:pPr>
-            <a:r>
-              <a:rPr lang="en-US" sz="1800" dirty="0">
-                <a:solidFill>
-                  <a:schemeClr val="tx1"/>
-                </a:solidFill>
-              </a:rPr>
-              <a:t>The slider let use grab the scroll bar and slide the scroll bar and display the value.</a:t>
-            </a:r>
-          </a:p>
-          <a:p>
-            <a:pPr marL="342900" indent="-342900" algn="l">
-              <a:buClr>
-                <a:srgbClr val="0070C0"/>
-              </a:buClr>
-              <a:buSzPct val="80000"/>
-              <a:buFont typeface="Wingdings" pitchFamily="2" charset="2"/>
-              <a:buChar char="u"/>
-            </a:pPr>
-            <a:r>
-              <a:rPr lang="en-US" sz="1800" dirty="0">
-                <a:solidFill>
-                  <a:schemeClr val="tx1"/>
-                </a:solidFill>
-              </a:rPr>
-              <a:t>The spin box is a small box. It has up and down arrow. </a:t>
-            </a:r>
-          </a:p>
-          <a:p>
-            <a:pPr marL="342900" indent="-342900" algn="l">
-              <a:buClr>
-                <a:srgbClr val="0070C0"/>
-              </a:buClr>
-              <a:buSzPct val="80000"/>
-              <a:buFont typeface="Wingdings" pitchFamily="2" charset="2"/>
-              <a:buChar char="u"/>
-            </a:pPr>
-            <a:r>
-              <a:rPr lang="en-US" sz="1800" dirty="0">
-                <a:solidFill>
-                  <a:schemeClr val="tx1"/>
-                </a:solidFill>
-              </a:rPr>
-              <a:t>When you click the up, the value changes by 1, then 2, 3. </a:t>
-            </a:r>
-          </a:p>
-          <a:p>
-            <a:pPr marL="342900" indent="-342900" algn="l">
-              <a:buClr>
-                <a:srgbClr val="0070C0"/>
-              </a:buClr>
-              <a:buSzPct val="80000"/>
-              <a:buFont typeface="Wingdings" pitchFamily="2" charset="2"/>
-              <a:buChar char="u"/>
-            </a:pPr>
-            <a:r>
-              <a:rPr lang="en-US" sz="1800" dirty="0">
-                <a:solidFill>
-                  <a:schemeClr val="tx1"/>
-                </a:solidFill>
-              </a:rPr>
-              <a:t>When you click down, it goes to 2, 1, and 0.</a:t>
-            </a:r>
-          </a:p>
-        </p:txBody>
-      </p:sp>
-      <p:sp>
-        <p:nvSpPr>
-          <p:cNvPr id="4" name="標題 1"/>
-          <p:cNvSpPr txBox="1">
-            <a:spLocks/>
-          </p:cNvSpPr>
-          <p:nvPr/>
-        </p:nvSpPr>
-        <p:spPr>
-          <a:xfrm>
-            <a:off x="0" y="764704"/>
-            <a:ext cx="9144000" cy="360040"/>
-          </a:xfrm>
-          <a:prstGeom prst="rect">
-            <a:avLst/>
-          </a:prstGeom>
-          <a:gradFill flip="none" rotWithShape="1">
-            <a:gsLst>
-              <a:gs pos="0">
-                <a:srgbClr val="00B0F0">
-                  <a:shade val="30000"/>
-                  <a:satMod val="115000"/>
-                </a:srgbClr>
-              </a:gs>
-              <a:gs pos="50000">
-                <a:srgbClr val="00B0F0">
-                  <a:shade val="67500"/>
-                  <a:satMod val="115000"/>
-                </a:srgbClr>
-              </a:gs>
-              <a:gs pos="100000">
-                <a:srgbClr val="00B0F0">
-                  <a:shade val="100000"/>
-                  <a:satMod val="115000"/>
-                </a:srgbClr>
-              </a:gs>
-            </a:gsLst>
-            <a:path path="circle">
-              <a:fillToRect t="100000" r="100000"/>
-            </a:path>
-            <a:tileRect l="-100000" b="-100000"/>
-          </a:gradFill>
-        </p:spPr>
-        <p:txBody>
-          <a:bodyPr vert="horz" lIns="91440" tIns="45720" rIns="91440" bIns="45720" rtlCol="0" anchor="ctr">
-            <a:normAutofit/>
-          </a:bodyPr>
-          <a:lstStyle/>
-          <a:p>
-            <a:pPr lvl="0">
-              <a:spcBef>
-                <a:spcPct val="0"/>
-              </a:spcBef>
-            </a:pPr>
-            <a:r>
-              <a:rPr lang="en-US" sz="1600" dirty="0"/>
-              <a:t>https://www.youtube.com/watch?v=kg98E06wm1I&amp;list=PLD0D54219E5F2544D&amp;index=7</a:t>
-            </a:r>
-            <a:endParaRPr kumimoji="0" lang="zh-TW" altLang="en-US" sz="1600" b="0" i="0" u="none" strike="noStrike" kern="1200" cap="none" spc="0" normalizeH="0" baseline="0" noProof="0" dirty="0">
-              <a:ln>
-                <a:noFill/>
-              </a:ln>
-              <a:solidFill>
-                <a:schemeClr val="tx1"/>
-              </a:solidFill>
-              <a:effectLst/>
-              <a:uLnTx/>
-              <a:uFillTx/>
-              <a:latin typeface="+mj-lt"/>
-              <a:ea typeface="+mj-ea"/>
-              <a:cs typeface="+mj-cs"/>
-            </a:endParaRPr>
-          </a:p>
-        </p:txBody>
-      </p:sp>
-      <p:sp>
-        <p:nvSpPr>
-          <p:cNvPr id="5" name="日期版面配置區 4"/>
-          <p:cNvSpPr>
-            <a:spLocks noGrp="1"/>
-          </p:cNvSpPr>
-          <p:nvPr>
-            <p:ph type="dt" sz="half" idx="10"/>
-          </p:nvPr>
-        </p:nvSpPr>
-        <p:spPr/>
-        <p:txBody>
-          <a:bodyPr/>
-          <a:lstStyle/>
-          <a:p>
-            <a:fld id="{A4F910E6-8D00-4BAF-8C48-9688E0B449D3}" type="datetime1">
-              <a:rPr lang="zh-TW" altLang="en-US" smtClean="0"/>
-              <a:pPr/>
-              <a:t>2022/11/1</a:t>
-            </a:fld>
-            <a:endParaRPr lang="zh-TW" altLang="en-US"/>
-          </a:p>
-        </p:txBody>
-      </p:sp>
-      <p:sp>
-        <p:nvSpPr>
-          <p:cNvPr id="6" name="投影片編號版面配置區 5"/>
-          <p:cNvSpPr>
-            <a:spLocks noGrp="1"/>
-          </p:cNvSpPr>
-          <p:nvPr>
-            <p:ph type="sldNum" sz="quarter" idx="12"/>
-          </p:nvPr>
-        </p:nvSpPr>
-        <p:spPr/>
-        <p:txBody>
-          <a:bodyPr/>
-          <a:lstStyle/>
-          <a:p>
-            <a:fld id="{E4D7E63D-91F2-4366-A2C4-1B00C9E2590E}" type="slidenum">
-              <a:rPr lang="zh-TW" altLang="en-US" smtClean="0"/>
-              <a:pPr/>
-              <a:t>7</a:t>
-            </a:fld>
-            <a:endParaRPr lang="zh-TW" altLang="en-US"/>
-          </a:p>
-        </p:txBody>
-      </p:sp>
-      <p:pic>
-        <p:nvPicPr>
-          <p:cNvPr id="1026" name="Picture 2" descr="Spin Boxes Example | Qt Widgets 6.4.0">
-            <a:extLst>
-              <a:ext uri="{FF2B5EF4-FFF2-40B4-BE49-F238E27FC236}">
-                <a16:creationId xmlns:a16="http://schemas.microsoft.com/office/drawing/2014/main" id="{A867908B-7ADF-43B8-DC1E-73A0BA820846}"/>
-              </a:ext>
-            </a:extLst>
-          </p:cNvPr>
-          <p:cNvPicPr>
-            <a:picLocks noChangeAspect="1" noChangeArrowheads="1"/>
-          </p:cNvPicPr>
-          <p:nvPr/>
-        </p:nvPicPr>
-        <p:blipFill>
-          <a:blip r:embed="rId2">
-            <a:extLst>
-              <a:ext uri="{28A0092B-C50C-407E-A947-70E740481C1C}">
-                <a14:useLocalDpi xmlns:a14="http://schemas.microsoft.com/office/drawing/2010/main" val="0"/>
-              </a:ext>
-            </a:extLst>
-          </a:blip>
-          <a:srcRect/>
-          <a:stretch>
-            <a:fillRect/>
-          </a:stretch>
-        </p:blipFill>
-        <p:spPr bwMode="auto">
-          <a:xfrm>
-            <a:off x="4562411" y="4152670"/>
-            <a:ext cx="3752850" cy="1219200"/>
-          </a:xfrm>
-          <a:prstGeom prst="rect">
-            <a:avLst/>
-          </a:prstGeom>
-          <a:noFill/>
-          <a:ln>
-            <a:solidFill>
-              <a:srgbClr val="C00000"/>
-            </a:solidFill>
-          </a:ln>
-          <a:extLst>
-            <a:ext uri="{909E8E84-426E-40DD-AFC4-6F175D3DCCD1}">
-              <a14:hiddenFill xmlns:a14="http://schemas.microsoft.com/office/drawing/2010/main">
-                <a:solidFill>
-                  <a:srgbClr val="FFFFFF"/>
-                </a:solidFill>
-              </a14:hiddenFill>
-            </a:ext>
-          </a:extLst>
-        </p:spPr>
-      </p:pic>
-      <p:sp>
-        <p:nvSpPr>
-          <p:cNvPr id="10" name="TextBox 9">
-            <a:extLst>
-              <a:ext uri="{FF2B5EF4-FFF2-40B4-BE49-F238E27FC236}">
-                <a16:creationId xmlns:a16="http://schemas.microsoft.com/office/drawing/2014/main" id="{8D03FA9B-2DDD-5328-B2A4-E200CB9CE3FB}"/>
-              </a:ext>
-            </a:extLst>
-          </p:cNvPr>
-          <p:cNvSpPr txBox="1"/>
-          <p:nvPr/>
-        </p:nvSpPr>
-        <p:spPr>
-          <a:xfrm>
-            <a:off x="4601517" y="3411369"/>
-            <a:ext cx="1296144" cy="369332"/>
-          </a:xfrm>
-          <a:prstGeom prst="rect">
-            <a:avLst/>
-          </a:prstGeom>
-          <a:solidFill>
-            <a:srgbClr val="FFFF00"/>
-          </a:solidFill>
-          <a:ln>
-            <a:solidFill>
-              <a:srgbClr val="C00000"/>
-            </a:solidFill>
-          </a:ln>
-        </p:spPr>
-        <p:txBody>
-          <a:bodyPr wrap="square" rtlCol="0">
-            <a:spAutoFit/>
-          </a:bodyPr>
-          <a:lstStyle/>
-          <a:p>
-            <a:r>
-              <a:rPr lang="en-US" dirty="0"/>
-              <a:t>Spin box</a:t>
-            </a:r>
-          </a:p>
-        </p:txBody>
-      </p:sp>
-      <p:pic>
-        <p:nvPicPr>
-          <p:cNvPr id="1030" name="Picture 6" descr="qt - Qt5 Double range slider - Stack Overflow">
-            <a:extLst>
-              <a:ext uri="{FF2B5EF4-FFF2-40B4-BE49-F238E27FC236}">
-                <a16:creationId xmlns:a16="http://schemas.microsoft.com/office/drawing/2014/main" id="{4D96E933-CB0F-2262-EE1E-0399E4A55DD9}"/>
-              </a:ext>
-            </a:extLst>
-          </p:cNvPr>
-          <p:cNvPicPr>
-            <a:picLocks noChangeAspect="1" noChangeArrowheads="1"/>
-          </p:cNvPicPr>
-          <p:nvPr/>
-        </p:nvPicPr>
-        <p:blipFill>
-          <a:blip r:embed="rId3">
-            <a:extLst>
-              <a:ext uri="{28A0092B-C50C-407E-A947-70E740481C1C}">
-                <a14:useLocalDpi xmlns:a14="http://schemas.microsoft.com/office/drawing/2010/main" val="0"/>
-              </a:ext>
-            </a:extLst>
-          </a:blip>
-          <a:srcRect/>
-          <a:stretch>
-            <a:fillRect/>
-          </a:stretch>
-        </p:blipFill>
-        <p:spPr bwMode="auto">
-          <a:xfrm>
-            <a:off x="562719" y="3905601"/>
-            <a:ext cx="2381250" cy="1905000"/>
-          </a:xfrm>
-          <a:prstGeom prst="rect">
-            <a:avLst/>
-          </a:prstGeom>
-          <a:noFill/>
-          <a:ln>
-            <a:solidFill>
-              <a:srgbClr val="C00000"/>
-            </a:solidFill>
-          </a:ln>
-          <a:extLst>
-            <a:ext uri="{909E8E84-426E-40DD-AFC4-6F175D3DCCD1}">
-              <a14:hiddenFill xmlns:a14="http://schemas.microsoft.com/office/drawing/2010/main">
-                <a:solidFill>
-                  <a:srgbClr val="FFFFFF"/>
-                </a:solidFill>
-              </a14:hiddenFill>
-            </a:ext>
-          </a:extLst>
-        </p:spPr>
-      </p:pic>
-      <p:sp>
-        <p:nvSpPr>
-          <p:cNvPr id="11" name="TextBox 10">
-            <a:extLst>
-              <a:ext uri="{FF2B5EF4-FFF2-40B4-BE49-F238E27FC236}">
-                <a16:creationId xmlns:a16="http://schemas.microsoft.com/office/drawing/2014/main" id="{5983B7CB-E17E-9040-DBD9-510876EA04DC}"/>
-              </a:ext>
-            </a:extLst>
-          </p:cNvPr>
-          <p:cNvSpPr txBox="1"/>
-          <p:nvPr/>
-        </p:nvSpPr>
-        <p:spPr>
-          <a:xfrm>
-            <a:off x="457200" y="3321485"/>
-            <a:ext cx="1296144" cy="369332"/>
-          </a:xfrm>
-          <a:prstGeom prst="rect">
-            <a:avLst/>
-          </a:prstGeom>
-          <a:solidFill>
-            <a:srgbClr val="FFFF00"/>
-          </a:solidFill>
-          <a:ln>
-            <a:solidFill>
-              <a:srgbClr val="C00000"/>
-            </a:solidFill>
-          </a:ln>
-        </p:spPr>
-        <p:txBody>
-          <a:bodyPr wrap="square" rtlCol="0">
-            <a:spAutoFit/>
-          </a:bodyPr>
-          <a:lstStyle/>
-          <a:p>
-            <a:r>
-              <a:rPr lang="en-US" dirty="0"/>
-              <a:t>Slider</a:t>
-            </a:r>
-          </a:p>
-        </p:txBody>
-      </p:sp>
-    </p:spTree>
-    <p:extLst>
-      <p:ext uri="{BB962C8B-B14F-4D97-AF65-F5344CB8AC3E}">
-        <p14:creationId xmlns:p14="http://schemas.microsoft.com/office/powerpoint/2010/main" val="1118809726"/>
-      </p:ext>
-    </p:extLst>
-  </p:cSld>
-  <p:clrMapOvr>
-    <a:masterClrMapping/>
-  </p:clrMapOvr>
-</p:sld>
-</file>
-
-<file path=ppt/slides/slide8.xml><?xml version="1.0" encoding="utf-8"?>
-<p:sld xmlns:a="http://schemas.openxmlformats.org/drawingml/2006/main" xmlns:r="http://schemas.openxmlformats.org/officeDocument/2006/relationships" xmlns:p="http://schemas.openxmlformats.org/presentationml/2006/main">
-  <p:cSld>
-    <p:spTree>
-      <p:nvGrpSpPr>
-        <p:cNvPr id="1" name=""/>
-        <p:cNvGrpSpPr/>
-        <p:nvPr/>
-      </p:nvGrpSpPr>
-      <p:grpSpPr>
-        <a:xfrm>
-          <a:off x="0" y="0"/>
-          <a:ext cx="0" cy="0"/>
-          <a:chOff x="0" y="0"/>
-          <a:chExt cx="0" cy="0"/>
-        </a:xfrm>
-      </p:grpSpPr>
-      <p:sp>
-        <p:nvSpPr>
-          <p:cNvPr id="2" name="標題 1"/>
-          <p:cNvSpPr>
-            <a:spLocks noGrp="1"/>
-          </p:cNvSpPr>
-          <p:nvPr>
-            <p:ph type="ctrTitle"/>
-          </p:nvPr>
-        </p:nvSpPr>
-        <p:spPr>
-          <a:xfrm>
             <a:off x="0" y="2130425"/>
             <a:ext cx="9144000" cy="1470025"/>
           </a:xfrm>
@@ -5926,7 +7756,7 @@
                   <a:srgbClr val="FFFF00"/>
                 </a:solidFill>
               </a:rPr>
-              <a:t>507.2 Add Container, Spin Box, and Slider</a:t>
+              <a:t>508.2 Connect Slider to Spinner</a:t>
             </a:r>
             <a:endParaRPr lang="zh-TW" altLang="en-US" sz="4000" b="1" dirty="0">
               <a:solidFill>
@@ -5978,7 +7808,7 @@
             <a:fld id="{E4D7E63D-91F2-4366-A2C4-1B00C9E2590E}" type="slidenum">
               <a:rPr lang="zh-TW" altLang="en-US" smtClean="0"/>
               <a:pPr/>
-              <a:t>8</a:t>
+              <a:t>6</a:t>
             </a:fld>
             <a:endParaRPr lang="zh-TW" altLang="en-US"/>
           </a:p>
@@ -6034,7 +7864,7 @@
     </p:spTree>
     <p:extLst>
       <p:ext uri="{BB962C8B-B14F-4D97-AF65-F5344CB8AC3E}">
-        <p14:creationId xmlns:p14="http://schemas.microsoft.com/office/powerpoint/2010/main" val="1213407796"/>
+        <p14:creationId xmlns:p14="http://schemas.microsoft.com/office/powerpoint/2010/main" val="2857112817"/>
       </p:ext>
     </p:extLst>
   </p:cSld>
@@ -6044,7 +7874,7 @@
 </p:sld>
 </file>
 
-<file path=ppt/slides/slide9.xml><?xml version="1.0" encoding="utf-8"?>
+<file path=ppt/slides/slide7.xml><?xml version="1.0" encoding="utf-8"?>
 <p:sld xmlns:a="http://schemas.openxmlformats.org/drawingml/2006/main" xmlns:r="http://schemas.openxmlformats.org/officeDocument/2006/relationships" xmlns:p="http://schemas.openxmlformats.org/presentationml/2006/main">
   <p:cSld>
     <p:spTree>
@@ -6061,6 +7891,41 @@
           <a:chExt cx="0" cy="0"/>
         </a:xfrm>
       </p:grpSpPr>
+      <p:pic>
+        <p:nvPicPr>
+          <p:cNvPr id="8" name="Picture 7">
+            <a:extLst>
+              <a:ext uri="{FF2B5EF4-FFF2-40B4-BE49-F238E27FC236}">
+                <a16:creationId xmlns:a16="http://schemas.microsoft.com/office/drawing/2014/main" id="{E42BB8F0-0909-26AE-1647-50BEB89D70E0}"/>
+              </a:ext>
+            </a:extLst>
+          </p:cNvPr>
+          <p:cNvPicPr>
+            <a:picLocks noChangeAspect="1"/>
+          </p:cNvPicPr>
+          <p:nvPr/>
+        </p:nvPicPr>
+        <p:blipFill>
+          <a:blip r:embed="rId2"/>
+          <a:stretch>
+            <a:fillRect/>
+          </a:stretch>
+        </p:blipFill>
+        <p:spPr>
+          <a:xfrm>
+            <a:off x="2448098" y="2937806"/>
+            <a:ext cx="5796309" cy="3644337"/>
+          </a:xfrm>
+          <a:prstGeom prst="rect">
+            <a:avLst/>
+          </a:prstGeom>
+          <a:ln>
+            <a:solidFill>
+              <a:srgbClr val="C00000"/>
+            </a:solidFill>
+          </a:ln>
+        </p:spPr>
+      </p:pic>
       <p:sp>
         <p:nvSpPr>
           <p:cNvPr id="2" name="標題 1"/>
@@ -6116,7 +7981,7 @@
                   <a:srgbClr val="FFFF00"/>
                 </a:solidFill>
               </a:rPr>
-              <a:t>507.2 Add Container, Spin Box, and Slider</a:t>
+              <a:t>508.2 Connect Slider to Spinner</a:t>
             </a:r>
             <a:endParaRPr lang="zh-TW" altLang="en-US" sz="4000" b="1" dirty="0">
               <a:solidFill>
@@ -6138,8 +8003,8 @@
         </p:nvSpPr>
         <p:spPr>
           <a:xfrm>
-            <a:off x="438024" y="1250425"/>
-            <a:ext cx="8248775" cy="1818535"/>
+            <a:off x="438024" y="1250428"/>
+            <a:ext cx="7806383" cy="1687378"/>
           </a:xfrm>
           <a:ln>
             <a:solidFill>
@@ -6167,7 +8032,7 @@
                   <a:schemeClr val="tx1"/>
                 </a:solidFill>
               </a:rPr>
-              <a:t>Add Container, Spin Box, and Slider</a:t>
+              <a:t>Connect Spinner to Slider</a:t>
             </a:r>
           </a:p>
           <a:p>
@@ -6185,7 +8050,7 @@
                   <a:schemeClr val="tx1"/>
                 </a:solidFill>
               </a:rPr>
-              <a:t>We are going to add the slider and spin box.</a:t>
+              <a:t>We have spinner to slider connection.</a:t>
             </a:r>
           </a:p>
           <a:p>
@@ -6203,7 +8068,7 @@
                   <a:schemeClr val="tx1"/>
                 </a:solidFill>
               </a:rPr>
-              <a:t>If we change one, the other one will be changed as well.</a:t>
+              <a:t>Now, we need to do reverse connection: from slider to spinner connection.</a:t>
             </a:r>
           </a:p>
           <a:p>
@@ -6221,7 +8086,7 @@
                   <a:schemeClr val="tx1"/>
                 </a:solidFill>
               </a:rPr>
-              <a:t>We have three widgets. Two widgets are inside the other widget.</a:t>
+              <a:t>Whenever spinner changes, the slider changes.</a:t>
             </a:r>
           </a:p>
           <a:p>
@@ -6239,7 +8104,7 @@
                   <a:schemeClr val="tx1"/>
                 </a:solidFill>
               </a:rPr>
-              <a:t>Right now, we build one container for other two widgets.</a:t>
+              <a:t>Whenever slider changes, the spinner also changes. </a:t>
             </a:r>
           </a:p>
         </p:txBody>
@@ -6300,7 +8165,7 @@
             </a:pPr>
             <a:r>
               <a:rPr lang="en-US" sz="1600" dirty="0"/>
-              <a:t>https://www.youtube.com/watch?v=kg98E06wm1I&amp;list=PLD0D54219E5F2544D&amp;index=7</a:t>
+              <a:t>https://www.youtube.com/watch?v=7ZuSs27tQPA&amp;list=PLD0D54219E5F2544D&amp;index=8</a:t>
             </a:r>
             <a:endParaRPr kumimoji="0" lang="zh-TW" altLang="en-US" sz="1600" b="0" i="0" u="none" strike="noStrike" kern="1200" cap="none" spc="0" normalizeH="0" baseline="0" noProof="0" dirty="0">
               <a:ln>
@@ -6361,53 +8226,18 @@
             <a:fld id="{E4D7E63D-91F2-4366-A2C4-1B00C9E2590E}" type="slidenum">
               <a:rPr lang="zh-TW" altLang="en-US" smtClean="0"/>
               <a:pPr/>
-              <a:t>9</a:t>
+              <a:t>7</a:t>
             </a:fld>
             <a:endParaRPr lang="zh-TW" altLang="en-US"/>
           </a:p>
         </p:txBody>
       </p:sp>
-      <p:pic>
-        <p:nvPicPr>
-          <p:cNvPr id="8" name="Picture 7">
-            <a:extLst>
-              <a:ext uri="{FF2B5EF4-FFF2-40B4-BE49-F238E27FC236}">
-                <a16:creationId xmlns:a16="http://schemas.microsoft.com/office/drawing/2014/main" id="{2A57F7CD-1657-BBD3-8569-9734A3E633D5}"/>
-              </a:ext>
-            </a:extLst>
-          </p:cNvPr>
-          <p:cNvPicPr>
-            <a:picLocks noChangeAspect="1"/>
-          </p:cNvPicPr>
-          <p:nvPr/>
-        </p:nvPicPr>
-        <p:blipFill>
-          <a:blip r:embed="rId2"/>
-          <a:stretch>
-            <a:fillRect/>
-          </a:stretch>
-        </p:blipFill>
-        <p:spPr>
-          <a:xfrm>
-            <a:off x="1524000" y="3258913"/>
-            <a:ext cx="5699423" cy="3011313"/>
-          </a:xfrm>
-          <a:prstGeom prst="rect">
-            <a:avLst/>
-          </a:prstGeom>
-          <a:ln>
-            <a:solidFill>
-              <a:srgbClr val="C00000"/>
-            </a:solidFill>
-          </a:ln>
-        </p:spPr>
-      </p:pic>
       <p:sp>
         <p:nvSpPr>
           <p:cNvPr id="9" name="Rectangle 8">
             <a:extLst>
               <a:ext uri="{FF2B5EF4-FFF2-40B4-BE49-F238E27FC236}">
-                <a16:creationId xmlns:a16="http://schemas.microsoft.com/office/drawing/2014/main" id="{A5F05453-7487-F0B1-DD1B-50D98939AF9B}"/>
+                <a16:creationId xmlns:a16="http://schemas.microsoft.com/office/drawing/2014/main" id="{799039C2-9BB2-0521-B2DA-ADF611BD36C7}"/>
               </a:ext>
             </a:extLst>
           </p:cNvPr>
@@ -6416,8 +8246,8 @@
         </p:nvSpPr>
         <p:spPr>
           <a:xfrm>
-            <a:off x="2267744" y="4437112"/>
-            <a:ext cx="4955679" cy="1296144"/>
+            <a:off x="3123082" y="5445224"/>
+            <a:ext cx="4422026" cy="748831"/>
           </a:xfrm>
           <a:prstGeom prst="rect">
             <a:avLst/>
@@ -6457,7 +8287,542 @@
     </p:spTree>
     <p:extLst>
       <p:ext uri="{BB962C8B-B14F-4D97-AF65-F5344CB8AC3E}">
-        <p14:creationId xmlns:p14="http://schemas.microsoft.com/office/powerpoint/2010/main" val="538342335"/>
+        <p14:creationId xmlns:p14="http://schemas.microsoft.com/office/powerpoint/2010/main" val="1119473871"/>
+      </p:ext>
+    </p:extLst>
+  </p:cSld>
+  <p:clrMapOvr>
+    <a:masterClrMapping/>
+  </p:clrMapOvr>
+</p:sld>
+</file>
+
+<file path=ppt/slides/slide8.xml><?xml version="1.0" encoding="utf-8"?>
+<p:sld xmlns:a="http://schemas.openxmlformats.org/drawingml/2006/main" xmlns:r="http://schemas.openxmlformats.org/officeDocument/2006/relationships" xmlns:p="http://schemas.openxmlformats.org/presentationml/2006/main">
+  <p:cSld>
+    <p:spTree>
+      <p:nvGrpSpPr>
+        <p:cNvPr id="1" name=""/>
+        <p:cNvGrpSpPr/>
+        <p:nvPr/>
+      </p:nvGrpSpPr>
+      <p:grpSpPr>
+        <a:xfrm>
+          <a:off x="0" y="0"/>
+          <a:ext cx="0" cy="0"/>
+          <a:chOff x="0" y="0"/>
+          <a:chExt cx="0" cy="0"/>
+        </a:xfrm>
+      </p:grpSpPr>
+      <p:sp>
+        <p:nvSpPr>
+          <p:cNvPr id="2" name="標題 1"/>
+          <p:cNvSpPr>
+            <a:spLocks noGrp="1"/>
+          </p:cNvSpPr>
+          <p:nvPr>
+            <p:ph type="ctrTitle"/>
+          </p:nvPr>
+        </p:nvSpPr>
+        <p:spPr>
+          <a:xfrm>
+            <a:off x="0" y="1"/>
+            <a:ext cx="9144000" cy="764704"/>
+          </a:xfrm>
+          <a:gradFill flip="none" rotWithShape="1">
+            <a:gsLst>
+              <a:gs pos="0">
+                <a:srgbClr val="C00000">
+                  <a:shade val="30000"/>
+                  <a:satMod val="115000"/>
+                </a:srgbClr>
+              </a:gs>
+              <a:gs pos="50000">
+                <a:srgbClr val="C00000">
+                  <a:shade val="67500"/>
+                  <a:satMod val="115000"/>
+                </a:srgbClr>
+              </a:gs>
+              <a:gs pos="100000">
+                <a:srgbClr val="C00000">
+                  <a:shade val="100000"/>
+                  <a:satMod val="115000"/>
+                </a:srgbClr>
+              </a:gs>
+            </a:gsLst>
+            <a:path path="circle">
+              <a:fillToRect t="100000" r="100000"/>
+            </a:path>
+            <a:tileRect l="-100000" b="-100000"/>
+          </a:gradFill>
+        </p:spPr>
+        <p:txBody>
+          <a:bodyPr>
+            <a:normAutofit/>
+          </a:bodyPr>
+          <a:lstStyle/>
+          <a:p>
+            <a:pPr algn="l"/>
+            <a:r>
+              <a:rPr lang="en-US" altLang="zh-TW" sz="4000" b="1" dirty="0">
+                <a:solidFill>
+                  <a:srgbClr val="FFFF00"/>
+                </a:solidFill>
+              </a:rPr>
+              <a:t>508.2 Connect Slider to Spinner</a:t>
+            </a:r>
+            <a:endParaRPr lang="zh-TW" altLang="en-US" sz="4000" b="1" dirty="0">
+              <a:solidFill>
+                <a:srgbClr val="FFFF00"/>
+              </a:solidFill>
+            </a:endParaRPr>
+          </a:p>
+        </p:txBody>
+      </p:sp>
+      <p:sp>
+        <p:nvSpPr>
+          <p:cNvPr id="3" name="副標題 2"/>
+          <p:cNvSpPr>
+            <a:spLocks noGrp="1"/>
+          </p:cNvSpPr>
+          <p:nvPr>
+            <p:ph type="subTitle" idx="1"/>
+          </p:nvPr>
+        </p:nvSpPr>
+        <p:spPr>
+          <a:xfrm>
+            <a:off x="438024" y="1250428"/>
+            <a:ext cx="7806383" cy="882428"/>
+          </a:xfrm>
+          <a:ln>
+            <a:solidFill>
+              <a:srgbClr val="C00000"/>
+            </a:solidFill>
+          </a:ln>
+        </p:spPr>
+        <p:txBody>
+          <a:bodyPr>
+            <a:noAutofit/>
+          </a:bodyPr>
+          <a:lstStyle/>
+          <a:p>
+            <a:pPr marL="342900" indent="-342900" algn="l">
+              <a:buClr>
+                <a:srgbClr val="0070C0"/>
+              </a:buClr>
+              <a:buSzPct val="80000"/>
+              <a:buFont typeface="Wingdings" pitchFamily="2" charset="2"/>
+              <a:buChar char="u"/>
+            </a:pPr>
+            <a:r>
+              <a:rPr lang="en-US" sz="1800" b="1" dirty="0">
+                <a:solidFill>
+                  <a:schemeClr val="tx1"/>
+                </a:solidFill>
+              </a:rPr>
+              <a:t>Connect Slider to Spinner</a:t>
+            </a:r>
+          </a:p>
+          <a:p>
+            <a:pPr marL="342900" indent="-342900" algn="l">
+              <a:buClr>
+                <a:srgbClr val="0070C0"/>
+              </a:buClr>
+              <a:buSzPct val="80000"/>
+              <a:buFont typeface="Wingdings" pitchFamily="2" charset="2"/>
+              <a:buChar char="u"/>
+            </a:pPr>
+            <a:r>
+              <a:rPr lang="en-US" sz="1800" dirty="0">
+                <a:solidFill>
+                  <a:schemeClr val="tx1"/>
+                </a:solidFill>
+              </a:rPr>
+              <a:t>This is the sync between two widgets: the slider and spinner .</a:t>
+            </a:r>
+          </a:p>
+        </p:txBody>
+      </p:sp>
+      <p:sp>
+        <p:nvSpPr>
+          <p:cNvPr id="4" name="標題 1"/>
+          <p:cNvSpPr txBox="1">
+            <a:spLocks/>
+          </p:cNvSpPr>
+          <p:nvPr/>
+        </p:nvSpPr>
+        <p:spPr>
+          <a:xfrm>
+            <a:off x="0" y="764704"/>
+            <a:ext cx="9144000" cy="360040"/>
+          </a:xfrm>
+          <a:prstGeom prst="rect">
+            <a:avLst/>
+          </a:prstGeom>
+          <a:gradFill flip="none" rotWithShape="1">
+            <a:gsLst>
+              <a:gs pos="0">
+                <a:srgbClr val="00B0F0">
+                  <a:shade val="30000"/>
+                  <a:satMod val="115000"/>
+                </a:srgbClr>
+              </a:gs>
+              <a:gs pos="50000">
+                <a:srgbClr val="00B0F0">
+                  <a:shade val="67500"/>
+                  <a:satMod val="115000"/>
+                </a:srgbClr>
+              </a:gs>
+              <a:gs pos="100000">
+                <a:srgbClr val="00B0F0">
+                  <a:shade val="100000"/>
+                  <a:satMod val="115000"/>
+                </a:srgbClr>
+              </a:gs>
+            </a:gsLst>
+            <a:path path="circle">
+              <a:fillToRect t="100000" r="100000"/>
+            </a:path>
+            <a:tileRect l="-100000" b="-100000"/>
+          </a:gradFill>
+        </p:spPr>
+        <p:txBody>
+          <a:bodyPr vert="horz" lIns="91440" tIns="45720" rIns="91440" bIns="45720" rtlCol="0" anchor="ctr">
+            <a:normAutofit/>
+          </a:bodyPr>
+          <a:lstStyle/>
+          <a:p>
+            <a:pPr lvl="0">
+              <a:spcBef>
+                <a:spcPct val="0"/>
+              </a:spcBef>
+            </a:pPr>
+            <a:r>
+              <a:rPr lang="en-US" sz="1600" dirty="0"/>
+              <a:t>https://www.youtube.com/watch?v=7ZuSs27tQPA&amp;list=PLD0D54219E5F2544D&amp;index=8</a:t>
+            </a:r>
+            <a:endParaRPr kumimoji="0" lang="zh-TW" altLang="en-US" sz="1600" b="0" i="0" u="none" strike="noStrike" kern="1200" cap="none" spc="0" normalizeH="0" baseline="0" noProof="0" dirty="0">
+              <a:ln>
+                <a:noFill/>
+              </a:ln>
+              <a:solidFill>
+                <a:schemeClr val="tx1"/>
+              </a:solidFill>
+              <a:effectLst/>
+              <a:uLnTx/>
+              <a:uFillTx/>
+              <a:latin typeface="+mj-lt"/>
+              <a:ea typeface="+mj-ea"/>
+              <a:cs typeface="+mj-cs"/>
+            </a:endParaRPr>
+          </a:p>
+        </p:txBody>
+      </p:sp>
+      <p:sp>
+        <p:nvSpPr>
+          <p:cNvPr id="5" name="日期版面配置區 4"/>
+          <p:cNvSpPr>
+            <a:spLocks noGrp="1"/>
+          </p:cNvSpPr>
+          <p:nvPr>
+            <p:ph type="dt" sz="half" idx="10"/>
+          </p:nvPr>
+        </p:nvSpPr>
+        <p:spPr/>
+        <p:txBody>
+          <a:bodyPr/>
+          <a:lstStyle/>
+          <a:p>
+            <a:fld id="{A4F910E6-8D00-4BAF-8C48-9688E0B449D3}" type="datetime1">
+              <a:rPr lang="zh-TW" altLang="en-US" smtClean="0"/>
+              <a:pPr/>
+              <a:t>2022/11/1</a:t>
+            </a:fld>
+            <a:endParaRPr lang="zh-TW" altLang="en-US"/>
+          </a:p>
+        </p:txBody>
+      </p:sp>
+      <p:sp>
+        <p:nvSpPr>
+          <p:cNvPr id="6" name="投影片編號版面配置區 5"/>
+          <p:cNvSpPr>
+            <a:spLocks noGrp="1"/>
+          </p:cNvSpPr>
+          <p:nvPr>
+            <p:ph type="sldNum" sz="quarter" idx="12"/>
+          </p:nvPr>
+        </p:nvSpPr>
+        <p:spPr/>
+        <p:txBody>
+          <a:bodyPr/>
+          <a:lstStyle/>
+          <a:p>
+            <a:fld id="{E4D7E63D-91F2-4366-A2C4-1B00C9E2590E}" type="slidenum">
+              <a:rPr lang="zh-TW" altLang="en-US" smtClean="0"/>
+              <a:pPr/>
+              <a:t>8</a:t>
+            </a:fld>
+            <a:endParaRPr lang="zh-TW" altLang="en-US"/>
+          </a:p>
+        </p:txBody>
+      </p:sp>
+      <p:pic>
+        <p:nvPicPr>
+          <p:cNvPr id="7" name="Picture 6">
+            <a:extLst>
+              <a:ext uri="{FF2B5EF4-FFF2-40B4-BE49-F238E27FC236}">
+                <a16:creationId xmlns:a16="http://schemas.microsoft.com/office/drawing/2014/main" id="{D21F5786-9FE8-0FAB-02DD-8BD4437B72E7}"/>
+              </a:ext>
+            </a:extLst>
+          </p:cNvPr>
+          <p:cNvPicPr>
+            <a:picLocks noChangeAspect="1"/>
+          </p:cNvPicPr>
+          <p:nvPr/>
+        </p:nvPicPr>
+        <p:blipFill>
+          <a:blip r:embed="rId2"/>
+          <a:stretch>
+            <a:fillRect/>
+          </a:stretch>
+        </p:blipFill>
+        <p:spPr>
+          <a:xfrm>
+            <a:off x="2448098" y="2937806"/>
+            <a:ext cx="5796309" cy="3644337"/>
+          </a:xfrm>
+          <a:prstGeom prst="rect">
+            <a:avLst/>
+          </a:prstGeom>
+          <a:ln>
+            <a:solidFill>
+              <a:srgbClr val="C00000"/>
+            </a:solidFill>
+          </a:ln>
+        </p:spPr>
+      </p:pic>
+      <p:sp>
+        <p:nvSpPr>
+          <p:cNvPr id="8" name="Rectangle 7">
+            <a:extLst>
+              <a:ext uri="{FF2B5EF4-FFF2-40B4-BE49-F238E27FC236}">
+                <a16:creationId xmlns:a16="http://schemas.microsoft.com/office/drawing/2014/main" id="{C0695078-43BC-2C14-EF31-270A0FBA8B63}"/>
+              </a:ext>
+            </a:extLst>
+          </p:cNvPr>
+          <p:cNvSpPr/>
+          <p:nvPr/>
+        </p:nvSpPr>
+        <p:spPr>
+          <a:xfrm>
+            <a:off x="3123082" y="5445224"/>
+            <a:ext cx="4422026" cy="748831"/>
+          </a:xfrm>
+          <a:prstGeom prst="rect">
+            <a:avLst/>
+          </a:prstGeom>
+          <a:noFill/>
+          <a:ln>
+            <a:solidFill>
+              <a:srgbClr val="C00000"/>
+            </a:solidFill>
+          </a:ln>
+        </p:spPr>
+        <p:style>
+          <a:lnRef idx="2">
+            <a:schemeClr val="accent1">
+              <a:shade val="50000"/>
+            </a:schemeClr>
+          </a:lnRef>
+          <a:fillRef idx="1">
+            <a:schemeClr val="accent1"/>
+          </a:fillRef>
+          <a:effectRef idx="0">
+            <a:schemeClr val="accent1"/>
+          </a:effectRef>
+          <a:fontRef idx="minor">
+            <a:schemeClr val="lt1"/>
+          </a:fontRef>
+        </p:style>
+        <p:txBody>
+          <a:bodyPr rtlCol="0" anchor="ctr"/>
+          <a:lstStyle/>
+          <a:p>
+            <a:pPr algn="ctr"/>
+            <a:endParaRPr lang="en-US"/>
+          </a:p>
+        </p:txBody>
+      </p:sp>
+    </p:spTree>
+    <p:extLst>
+      <p:ext uri="{BB962C8B-B14F-4D97-AF65-F5344CB8AC3E}">
+        <p14:creationId xmlns:p14="http://schemas.microsoft.com/office/powerpoint/2010/main" val="2810985637"/>
+      </p:ext>
+    </p:extLst>
+  </p:cSld>
+  <p:clrMapOvr>
+    <a:masterClrMapping/>
+  </p:clrMapOvr>
+</p:sld>
+</file>
+
+<file path=ppt/slides/slide9.xml><?xml version="1.0" encoding="utf-8"?>
+<p:sld xmlns:a="http://schemas.openxmlformats.org/drawingml/2006/main" xmlns:r="http://schemas.openxmlformats.org/officeDocument/2006/relationships" xmlns:p="http://schemas.openxmlformats.org/presentationml/2006/main">
+  <p:cSld>
+    <p:spTree>
+      <p:nvGrpSpPr>
+        <p:cNvPr id="1" name=""/>
+        <p:cNvGrpSpPr/>
+        <p:nvPr/>
+      </p:nvGrpSpPr>
+      <p:grpSpPr>
+        <a:xfrm>
+          <a:off x="0" y="0"/>
+          <a:ext cx="0" cy="0"/>
+          <a:chOff x="0" y="0"/>
+          <a:chExt cx="0" cy="0"/>
+        </a:xfrm>
+      </p:grpSpPr>
+      <p:sp>
+        <p:nvSpPr>
+          <p:cNvPr id="2" name="標題 1"/>
+          <p:cNvSpPr>
+            <a:spLocks noGrp="1"/>
+          </p:cNvSpPr>
+          <p:nvPr>
+            <p:ph type="ctrTitle"/>
+          </p:nvPr>
+        </p:nvSpPr>
+        <p:spPr>
+          <a:xfrm>
+            <a:off x="0" y="2130425"/>
+            <a:ext cx="9144000" cy="1470025"/>
+          </a:xfrm>
+          <a:solidFill>
+            <a:srgbClr val="00B0F0"/>
+          </a:solidFill>
+        </p:spPr>
+        <p:txBody>
+          <a:bodyPr>
+            <a:normAutofit/>
+          </a:bodyPr>
+          <a:lstStyle/>
+          <a:p>
+            <a:r>
+              <a:rPr lang="en-US" altLang="zh-TW" sz="4000" b="1" dirty="0">
+                <a:solidFill>
+                  <a:srgbClr val="FFFF00"/>
+                </a:solidFill>
+              </a:rPr>
+              <a:t>508.3 Set Initial Values for Spinner/Slider</a:t>
+            </a:r>
+            <a:endParaRPr lang="zh-TW" altLang="en-US" sz="4000" b="1" dirty="0">
+              <a:solidFill>
+                <a:srgbClr val="FFFF00"/>
+              </a:solidFill>
+            </a:endParaRPr>
+          </a:p>
+        </p:txBody>
+      </p:sp>
+      <p:sp>
+        <p:nvSpPr>
+          <p:cNvPr id="5" name="日期版面配置區 4"/>
+          <p:cNvSpPr>
+            <a:spLocks noGrp="1"/>
+          </p:cNvSpPr>
+          <p:nvPr>
+            <p:ph type="dt" sz="half" idx="10"/>
+          </p:nvPr>
+        </p:nvSpPr>
+        <p:spPr/>
+        <p:txBody>
+          <a:bodyPr/>
+          <a:lstStyle/>
+          <a:p>
+            <a:fld id="{C389EDC9-19E3-47AC-9C57-C6A24DEA81AD}" type="datetime1">
+              <a:rPr lang="zh-TW" altLang="en-US" smtClean="0"/>
+              <a:pPr/>
+              <a:t>2022/11/1</a:t>
+            </a:fld>
+            <a:endParaRPr lang="zh-TW" altLang="en-US"/>
+          </a:p>
+        </p:txBody>
+      </p:sp>
+      <p:sp>
+        <p:nvSpPr>
+          <p:cNvPr id="6" name="投影片編號版面配置區 5"/>
+          <p:cNvSpPr>
+            <a:spLocks noGrp="1"/>
+          </p:cNvSpPr>
+          <p:nvPr>
+            <p:ph type="sldNum" sz="quarter" idx="12"/>
+          </p:nvPr>
+        </p:nvSpPr>
+        <p:spPr/>
+        <p:txBody>
+          <a:bodyPr/>
+          <a:lstStyle/>
+          <a:p>
+            <a:fld id="{E4D7E63D-91F2-4366-A2C4-1B00C9E2590E}" type="slidenum">
+              <a:rPr lang="zh-TW" altLang="en-US" smtClean="0"/>
+              <a:pPr/>
+              <a:t>9</a:t>
+            </a:fld>
+            <a:endParaRPr lang="zh-TW" altLang="en-US"/>
+          </a:p>
+        </p:txBody>
+      </p:sp>
+      <p:pic>
+        <p:nvPicPr>
+          <p:cNvPr id="1026" name="Picture 2" descr="Image result for Qt logo">
+            <a:extLst>
+              <a:ext uri="{FF2B5EF4-FFF2-40B4-BE49-F238E27FC236}">
+                <a16:creationId xmlns:a16="http://schemas.microsoft.com/office/drawing/2014/main" id="{5BB30E86-0076-AFE3-8108-81F5E04DE19B}"/>
+              </a:ext>
+            </a:extLst>
+          </p:cNvPr>
+          <p:cNvPicPr>
+            <a:picLocks noChangeAspect="1" noChangeArrowheads="1"/>
+          </p:cNvPicPr>
+          <p:nvPr/>
+        </p:nvPicPr>
+        <p:blipFill>
+          <a:blip r:embed="rId2">
+            <a:extLst>
+              <a:ext uri="{28A0092B-C50C-407E-A947-70E740481C1C}">
+                <a14:useLocalDpi xmlns:a14="http://schemas.microsoft.com/office/drawing/2010/main" val="0"/>
+              </a:ext>
+            </a:extLst>
+          </a:blip>
+          <a:srcRect/>
+          <a:stretch>
+            <a:fillRect/>
+          </a:stretch>
+        </p:blipFill>
+        <p:spPr bwMode="auto">
+          <a:xfrm>
+            <a:off x="3923928" y="3665344"/>
+            <a:ext cx="1296144" cy="950506"/>
+          </a:xfrm>
+          <a:prstGeom prst="rect">
+            <a:avLst/>
+          </a:prstGeom>
+          <a:noFill/>
+          <a:extLst>
+            <a:ext uri="{909E8E84-426E-40DD-AFC4-6F175D3DCCD1}">
+              <a14:hiddenFill xmlns:a14="http://schemas.microsoft.com/office/drawing/2010/main">
+                <a:solidFill>
+                  <a:srgbClr val="FFFFFF"/>
+                </a:solidFill>
+              </a14:hiddenFill>
+            </a:ext>
+          </a:extLst>
+        </p:spPr>
+      </p:pic>
+    </p:spTree>
+    <p:extLst>
+      <p:ext uri="{BB962C8B-B14F-4D97-AF65-F5344CB8AC3E}">
+        <p14:creationId xmlns:p14="http://schemas.microsoft.com/office/powerpoint/2010/main" val="3800100263"/>
       </p:ext>
     </p:extLst>
   </p:cSld>
